--- a/Air_Based_Solar_System/_09_Natural_Energy_System/Basis/Sketch_of_Heat_Balance_of_Underfloor_Original.pptx
+++ b/Air_Based_Solar_System/_09_Natural_Energy_System/Basis/Sketch_of_Heat_Balance_of_Underfloor_Original.pptx
@@ -6,6 +6,8 @@
   </p:sldMasterIdLst>
   <p:sldIdLst>
     <p:sldId id="256" r:id="rId2"/>
+    <p:sldId id="257" r:id="rId3"/>
+    <p:sldId id="258" r:id="rId4"/>
   </p:sldIdLst>
   <p:sldSz cx="9144000" cy="6858000" type="screen4x3"/>
   <p:notesSz cx="6858000" cy="9144000"/>
@@ -243,7 +245,7 @@
           <a:p>
             <a:fld id="{1CDE82D3-BF5D-4CFE-A99D-ECC12DB01D9A}" type="datetimeFigureOut">
               <a:rPr kumimoji="1" lang="ja-JP" altLang="en-US" smtClean="0"/>
-              <a:t>2018/6/21</a:t>
+              <a:t>2018/6/22</a:t>
             </a:fld>
             <a:endParaRPr kumimoji="1" lang="ja-JP" altLang="en-US"/>
           </a:p>
@@ -445,7 +447,7 @@
           <a:p>
             <a:fld id="{1CDE82D3-BF5D-4CFE-A99D-ECC12DB01D9A}" type="datetimeFigureOut">
               <a:rPr kumimoji="1" lang="ja-JP" altLang="en-US" smtClean="0"/>
-              <a:t>2018/6/21</a:t>
+              <a:t>2018/6/22</a:t>
             </a:fld>
             <a:endParaRPr kumimoji="1" lang="ja-JP" altLang="en-US"/>
           </a:p>
@@ -657,7 +659,7 @@
           <a:p>
             <a:fld id="{1CDE82D3-BF5D-4CFE-A99D-ECC12DB01D9A}" type="datetimeFigureOut">
               <a:rPr kumimoji="1" lang="ja-JP" altLang="en-US" smtClean="0"/>
-              <a:t>2018/6/21</a:t>
+              <a:t>2018/6/22</a:t>
             </a:fld>
             <a:endParaRPr kumimoji="1" lang="ja-JP" altLang="en-US"/>
           </a:p>
@@ -859,7 +861,7 @@
           <a:p>
             <a:fld id="{1CDE82D3-BF5D-4CFE-A99D-ECC12DB01D9A}" type="datetimeFigureOut">
               <a:rPr kumimoji="1" lang="ja-JP" altLang="en-US" smtClean="0"/>
-              <a:t>2018/6/21</a:t>
+              <a:t>2018/6/22</a:t>
             </a:fld>
             <a:endParaRPr kumimoji="1" lang="ja-JP" altLang="en-US"/>
           </a:p>
@@ -1103,7 +1105,7 @@
           <a:p>
             <a:fld id="{1CDE82D3-BF5D-4CFE-A99D-ECC12DB01D9A}" type="datetimeFigureOut">
               <a:rPr kumimoji="1" lang="ja-JP" altLang="en-US" smtClean="0"/>
-              <a:t>2018/6/21</a:t>
+              <a:t>2018/6/22</a:t>
             </a:fld>
             <a:endParaRPr kumimoji="1" lang="ja-JP" altLang="en-US"/>
           </a:p>
@@ -1399,7 +1401,7 @@
           <a:p>
             <a:fld id="{1CDE82D3-BF5D-4CFE-A99D-ECC12DB01D9A}" type="datetimeFigureOut">
               <a:rPr kumimoji="1" lang="ja-JP" altLang="en-US" smtClean="0"/>
-              <a:t>2018/6/21</a:t>
+              <a:t>2018/6/22</a:t>
             </a:fld>
             <a:endParaRPr kumimoji="1" lang="ja-JP" altLang="en-US"/>
           </a:p>
@@ -1830,7 +1832,7 @@
           <a:p>
             <a:fld id="{1CDE82D3-BF5D-4CFE-A99D-ECC12DB01D9A}" type="datetimeFigureOut">
               <a:rPr kumimoji="1" lang="ja-JP" altLang="en-US" smtClean="0"/>
-              <a:t>2018/6/21</a:t>
+              <a:t>2018/6/22</a:t>
             </a:fld>
             <a:endParaRPr kumimoji="1" lang="ja-JP" altLang="en-US"/>
           </a:p>
@@ -1948,7 +1950,7 @@
           <a:p>
             <a:fld id="{1CDE82D3-BF5D-4CFE-A99D-ECC12DB01D9A}" type="datetimeFigureOut">
               <a:rPr kumimoji="1" lang="ja-JP" altLang="en-US" smtClean="0"/>
-              <a:t>2018/6/21</a:t>
+              <a:t>2018/6/22</a:t>
             </a:fld>
             <a:endParaRPr kumimoji="1" lang="ja-JP" altLang="en-US"/>
           </a:p>
@@ -2043,7 +2045,7 @@
           <a:p>
             <a:fld id="{1CDE82D3-BF5D-4CFE-A99D-ECC12DB01D9A}" type="datetimeFigureOut">
               <a:rPr kumimoji="1" lang="ja-JP" altLang="en-US" smtClean="0"/>
-              <a:t>2018/6/21</a:t>
+              <a:t>2018/6/22</a:t>
             </a:fld>
             <a:endParaRPr kumimoji="1" lang="ja-JP" altLang="en-US"/>
           </a:p>
@@ -2352,7 +2354,7 @@
           <a:p>
             <a:fld id="{1CDE82D3-BF5D-4CFE-A99D-ECC12DB01D9A}" type="datetimeFigureOut">
               <a:rPr kumimoji="1" lang="ja-JP" altLang="en-US" smtClean="0"/>
-              <a:t>2018/6/21</a:t>
+              <a:t>2018/6/22</a:t>
             </a:fld>
             <a:endParaRPr kumimoji="1" lang="ja-JP" altLang="en-US"/>
           </a:p>
@@ -2609,7 +2611,7 @@
           <a:p>
             <a:fld id="{1CDE82D3-BF5D-4CFE-A99D-ECC12DB01D9A}" type="datetimeFigureOut">
               <a:rPr kumimoji="1" lang="ja-JP" altLang="en-US" smtClean="0"/>
-              <a:t>2018/6/21</a:t>
+              <a:t>2018/6/22</a:t>
             </a:fld>
             <a:endParaRPr kumimoji="1" lang="ja-JP" altLang="en-US"/>
           </a:p>
@@ -2854,7 +2856,7 @@
           <a:p>
             <a:fld id="{1CDE82D3-BF5D-4CFE-A99D-ECC12DB01D9A}" type="datetimeFigureOut">
               <a:rPr kumimoji="1" lang="ja-JP" altLang="en-US" smtClean="0"/>
-              <a:t>2018/6/21</a:t>
+              <a:t>2018/6/22</a:t>
             </a:fld>
             <a:endParaRPr kumimoji="1" lang="ja-JP" altLang="en-US"/>
           </a:p>
@@ -4042,8 +4044,8 @@
           </p:sp>
         </mc:Fallback>
       </mc:AlternateContent>
-      <mc:AlternateContent xmlns:mc="http://schemas.openxmlformats.org/markup-compatibility/2006">
-        <mc:Choice xmlns:a14="http://schemas.microsoft.com/office/drawing/2010/main" Requires="a14">
+      <mc:AlternateContent xmlns:mc="http://schemas.openxmlformats.org/markup-compatibility/2006" xmlns:a14="http://schemas.microsoft.com/office/drawing/2010/main">
+        <mc:Choice Requires="a14">
           <p:sp>
             <p:nvSpPr>
               <p:cNvPr id="24" name="テキスト ボックス 23">
@@ -4072,7 +4074,6 @@
               </a:bodyPr>
               <a:lstStyle/>
               <a:p>
-                <a:pPr/>
                 <a14:m>
                   <m:oMath xmlns:m="http://schemas.openxmlformats.org/officeDocument/2006/math">
                     <m:r>
@@ -4196,7 +4197,7 @@
             </p:txBody>
           </p:sp>
         </mc:Choice>
-        <mc:Fallback>
+        <mc:Fallback xmlns="">
           <p:sp>
             <p:nvSpPr>
               <p:cNvPr id="24" name="テキスト ボックス 23">
@@ -4285,8 +4286,8 @@
           </a:fontRef>
         </p:style>
       </p:cxnSp>
-      <mc:AlternateContent xmlns:mc="http://schemas.openxmlformats.org/markup-compatibility/2006">
-        <mc:Choice xmlns:a14="http://schemas.microsoft.com/office/drawing/2010/main" Requires="a14">
+      <mc:AlternateContent xmlns:mc="http://schemas.openxmlformats.org/markup-compatibility/2006" xmlns:a14="http://schemas.microsoft.com/office/drawing/2010/main">
+        <mc:Choice Requires="a14">
           <p:sp>
             <p:nvSpPr>
               <p:cNvPr id="27" name="テキスト ボックス 26">
@@ -4557,7 +4558,7 @@
             </p:txBody>
           </p:sp>
         </mc:Choice>
-        <mc:Fallback>
+        <mc:Fallback xmlns="">
           <p:sp>
             <p:nvSpPr>
               <p:cNvPr id="27" name="テキスト ボックス 26">
@@ -5130,8 +5131,8 @@
           </a:fontRef>
         </p:style>
       </p:cxnSp>
-      <mc:AlternateContent xmlns:mc="http://schemas.openxmlformats.org/markup-compatibility/2006">
-        <mc:Choice xmlns:a14="http://schemas.microsoft.com/office/drawing/2010/main" Requires="a14">
+      <mc:AlternateContent xmlns:mc="http://schemas.openxmlformats.org/markup-compatibility/2006" xmlns:a14="http://schemas.microsoft.com/office/drawing/2010/main">
+        <mc:Choice Requires="a14">
           <p:sp>
             <p:nvSpPr>
               <p:cNvPr id="34" name="テキスト ボックス 33">
@@ -5225,7 +5226,7 @@
             </p:txBody>
           </p:sp>
         </mc:Choice>
-        <mc:Fallback>
+        <mc:Fallback xmlns="">
           <p:sp>
             <p:nvSpPr>
               <p:cNvPr id="34" name="テキスト ボックス 33">
@@ -5731,8 +5732,8 @@
           </a:p>
         </p:txBody>
       </p:sp>
-      <mc:AlternateContent xmlns:mc="http://schemas.openxmlformats.org/markup-compatibility/2006">
-        <mc:Choice xmlns:a14="http://schemas.microsoft.com/office/drawing/2010/main" Requires="a14">
+      <mc:AlternateContent xmlns:mc="http://schemas.openxmlformats.org/markup-compatibility/2006" xmlns:a14="http://schemas.microsoft.com/office/drawing/2010/main">
+        <mc:Choice Requires="a14">
           <p:sp>
             <p:nvSpPr>
               <p:cNvPr id="57" name="テキスト ボックス 56">
@@ -6058,7 +6059,7 @@
             </p:txBody>
           </p:sp>
         </mc:Choice>
-        <mc:Fallback>
+        <mc:Fallback xmlns="">
           <p:sp>
             <p:nvSpPr>
               <p:cNvPr id="57" name="テキスト ボックス 56">
@@ -6280,8 +6281,8 @@
           </a:fontRef>
         </p:style>
       </p:cxnSp>
-      <mc:AlternateContent xmlns:mc="http://schemas.openxmlformats.org/markup-compatibility/2006">
-        <mc:Choice xmlns:a14="http://schemas.microsoft.com/office/drawing/2010/main" Requires="a14">
+      <mc:AlternateContent xmlns:mc="http://schemas.openxmlformats.org/markup-compatibility/2006" xmlns:a14="http://schemas.microsoft.com/office/drawing/2010/main">
+        <mc:Choice Requires="a14">
           <p:sp>
             <p:nvSpPr>
               <p:cNvPr id="40" name="テキスト ボックス 39">
@@ -6352,7 +6353,7 @@
             </p:txBody>
           </p:sp>
         </mc:Choice>
-        <mc:Fallback>
+        <mc:Fallback xmlns="">
           <p:sp>
             <p:nvSpPr>
               <p:cNvPr id="40" name="テキスト ボックス 39">
@@ -6401,6 +6402,3467 @@
     <p:extLst>
       <p:ext uri="{BB962C8B-B14F-4D97-AF65-F5344CB8AC3E}">
         <p14:creationId xmlns:p14="http://schemas.microsoft.com/office/powerpoint/2010/main" val="2340771941"/>
+      </p:ext>
+    </p:extLst>
+  </p:cSld>
+  <p:clrMapOvr>
+    <a:masterClrMapping/>
+  </p:clrMapOvr>
+</p:sld>
+</file>
+
+<file path=ppt/slides/slide2.xml><?xml version="1.0" encoding="utf-8"?>
+<p:sld xmlns:a="http://schemas.openxmlformats.org/drawingml/2006/main" xmlns:r="http://schemas.openxmlformats.org/officeDocument/2006/relationships" xmlns:p="http://schemas.openxmlformats.org/presentationml/2006/main">
+  <p:cSld>
+    <p:spTree>
+      <p:nvGrpSpPr>
+        <p:cNvPr id="1" name=""/>
+        <p:cNvGrpSpPr/>
+        <p:nvPr/>
+      </p:nvGrpSpPr>
+      <p:grpSpPr>
+        <a:xfrm>
+          <a:off x="0" y="0"/>
+          <a:ext cx="0" cy="0"/>
+          <a:chOff x="0" y="0"/>
+          <a:chExt cx="0" cy="0"/>
+        </a:xfrm>
+      </p:grpSpPr>
+      <p:sp>
+        <p:nvSpPr>
+          <p:cNvPr id="6" name="正方形/長方形 5">
+            <a:extLst>
+              <a:ext uri="{FF2B5EF4-FFF2-40B4-BE49-F238E27FC236}">
+                <a16:creationId xmlns:a16="http://schemas.microsoft.com/office/drawing/2014/main" id="{E93751FB-0355-48EC-81F5-BC68E0022EE3}"/>
+              </a:ext>
+            </a:extLst>
+          </p:cNvPr>
+          <p:cNvSpPr/>
+          <p:nvPr/>
+        </p:nvSpPr>
+        <p:spPr>
+          <a:xfrm>
+            <a:off x="3565050" y="4977455"/>
+            <a:ext cx="4632387" cy="560716"/>
+          </a:xfrm>
+          <a:prstGeom prst="rect">
+            <a:avLst/>
+          </a:prstGeom>
+          <a:pattFill prst="ltDnDiag">
+            <a:fgClr>
+              <a:schemeClr val="accent2">
+                <a:lumMod val="75000"/>
+              </a:schemeClr>
+            </a:fgClr>
+            <a:bgClr>
+              <a:schemeClr val="bg1"/>
+            </a:bgClr>
+          </a:pattFill>
+          <a:ln>
+            <a:noFill/>
+          </a:ln>
+        </p:spPr>
+        <p:style>
+          <a:lnRef idx="2">
+            <a:schemeClr val="accent1">
+              <a:shade val="50000"/>
+            </a:schemeClr>
+          </a:lnRef>
+          <a:fillRef idx="1">
+            <a:schemeClr val="accent1"/>
+          </a:fillRef>
+          <a:effectRef idx="0">
+            <a:schemeClr val="accent1"/>
+          </a:effectRef>
+          <a:fontRef idx="minor">
+            <a:schemeClr val="lt1"/>
+          </a:fontRef>
+        </p:style>
+        <p:txBody>
+          <a:bodyPr rtlCol="0" anchor="ctr"/>
+          <a:lstStyle/>
+          <a:p>
+            <a:pPr algn="ctr"/>
+            <a:endParaRPr kumimoji="1" lang="ja-JP" altLang="en-US"/>
+          </a:p>
+        </p:txBody>
+      </p:sp>
+      <p:sp>
+        <p:nvSpPr>
+          <p:cNvPr id="14" name="正方形/長方形 13">
+            <a:extLst>
+              <a:ext uri="{FF2B5EF4-FFF2-40B4-BE49-F238E27FC236}">
+                <a16:creationId xmlns:a16="http://schemas.microsoft.com/office/drawing/2014/main" id="{73DBA443-4B4E-4CB1-912E-15E5539DD3B3}"/>
+              </a:ext>
+            </a:extLst>
+          </p:cNvPr>
+          <p:cNvSpPr/>
+          <p:nvPr/>
+        </p:nvSpPr>
+        <p:spPr>
+          <a:xfrm>
+            <a:off x="3849723" y="4692783"/>
+            <a:ext cx="4347714" cy="284672"/>
+          </a:xfrm>
+          <a:prstGeom prst="rect">
+            <a:avLst/>
+          </a:prstGeom>
+          <a:solidFill>
+            <a:schemeClr val="bg1">
+              <a:lumMod val="75000"/>
+            </a:schemeClr>
+          </a:solidFill>
+          <a:ln>
+            <a:solidFill>
+              <a:schemeClr val="tx1"/>
+            </a:solidFill>
+          </a:ln>
+        </p:spPr>
+        <p:style>
+          <a:lnRef idx="2">
+            <a:schemeClr val="accent1">
+              <a:shade val="50000"/>
+            </a:schemeClr>
+          </a:lnRef>
+          <a:fillRef idx="1">
+            <a:schemeClr val="accent1"/>
+          </a:fillRef>
+          <a:effectRef idx="0">
+            <a:schemeClr val="accent1"/>
+          </a:effectRef>
+          <a:fontRef idx="minor">
+            <a:schemeClr val="lt1"/>
+          </a:fontRef>
+        </p:style>
+        <p:txBody>
+          <a:bodyPr rtlCol="0" anchor="ctr"/>
+          <a:lstStyle/>
+          <a:p>
+            <a:pPr algn="ctr"/>
+            <a:endParaRPr kumimoji="1" lang="ja-JP" altLang="en-US"/>
+          </a:p>
+        </p:txBody>
+      </p:sp>
+      <p:sp>
+        <p:nvSpPr>
+          <p:cNvPr id="15" name="正方形/長方形 14">
+            <a:extLst>
+              <a:ext uri="{FF2B5EF4-FFF2-40B4-BE49-F238E27FC236}">
+                <a16:creationId xmlns:a16="http://schemas.microsoft.com/office/drawing/2014/main" id="{B3E8ED86-697E-4FC7-A4A7-06FA35C0460E}"/>
+              </a:ext>
+            </a:extLst>
+          </p:cNvPr>
+          <p:cNvSpPr/>
+          <p:nvPr/>
+        </p:nvSpPr>
+        <p:spPr>
+          <a:xfrm>
+            <a:off x="3828156" y="1518428"/>
+            <a:ext cx="4347714" cy="284672"/>
+          </a:xfrm>
+          <a:prstGeom prst="rect">
+            <a:avLst/>
+          </a:prstGeom>
+          <a:solidFill>
+            <a:schemeClr val="bg1">
+              <a:lumMod val="75000"/>
+            </a:schemeClr>
+          </a:solidFill>
+          <a:ln>
+            <a:solidFill>
+              <a:schemeClr val="tx1"/>
+            </a:solidFill>
+          </a:ln>
+        </p:spPr>
+        <p:style>
+          <a:lnRef idx="2">
+            <a:schemeClr val="accent1">
+              <a:shade val="50000"/>
+            </a:schemeClr>
+          </a:lnRef>
+          <a:fillRef idx="1">
+            <a:schemeClr val="accent1"/>
+          </a:fillRef>
+          <a:effectRef idx="0">
+            <a:schemeClr val="accent1"/>
+          </a:effectRef>
+          <a:fontRef idx="minor">
+            <a:schemeClr val="lt1"/>
+          </a:fontRef>
+        </p:style>
+        <p:txBody>
+          <a:bodyPr rtlCol="0" anchor="ctr"/>
+          <a:lstStyle/>
+          <a:p>
+            <a:pPr algn="ctr"/>
+            <a:endParaRPr kumimoji="1" lang="ja-JP" altLang="en-US"/>
+          </a:p>
+        </p:txBody>
+      </p:sp>
+      <p:sp>
+        <p:nvSpPr>
+          <p:cNvPr id="16" name="正方形/長方形 15">
+            <a:extLst>
+              <a:ext uri="{FF2B5EF4-FFF2-40B4-BE49-F238E27FC236}">
+                <a16:creationId xmlns:a16="http://schemas.microsoft.com/office/drawing/2014/main" id="{3F3135B0-1386-40D5-8C0E-03ECDD6ACBB9}"/>
+              </a:ext>
+            </a:extLst>
+          </p:cNvPr>
+          <p:cNvSpPr/>
+          <p:nvPr/>
+        </p:nvSpPr>
+        <p:spPr>
+          <a:xfrm rot="5400000">
+            <a:off x="1770756" y="2898489"/>
+            <a:ext cx="3873261" cy="284672"/>
+          </a:xfrm>
+          <a:prstGeom prst="rect">
+            <a:avLst/>
+          </a:prstGeom>
+          <a:solidFill>
+            <a:schemeClr val="bg1">
+              <a:lumMod val="75000"/>
+            </a:schemeClr>
+          </a:solidFill>
+          <a:ln>
+            <a:solidFill>
+              <a:schemeClr val="tx1"/>
+            </a:solidFill>
+          </a:ln>
+        </p:spPr>
+        <p:style>
+          <a:lnRef idx="2">
+            <a:schemeClr val="accent1">
+              <a:shade val="50000"/>
+            </a:schemeClr>
+          </a:lnRef>
+          <a:fillRef idx="1">
+            <a:schemeClr val="accent1"/>
+          </a:fillRef>
+          <a:effectRef idx="0">
+            <a:schemeClr val="accent1"/>
+          </a:effectRef>
+          <a:fontRef idx="minor">
+            <a:schemeClr val="lt1"/>
+          </a:fontRef>
+        </p:style>
+        <p:txBody>
+          <a:bodyPr rtlCol="0" anchor="ctr"/>
+          <a:lstStyle/>
+          <a:p>
+            <a:pPr algn="ctr"/>
+            <a:endParaRPr kumimoji="1" lang="ja-JP" altLang="en-US"/>
+          </a:p>
+        </p:txBody>
+      </p:sp>
+      <p:sp>
+        <p:nvSpPr>
+          <p:cNvPr id="17" name="正方形/長方形 16">
+            <a:extLst>
+              <a:ext uri="{FF2B5EF4-FFF2-40B4-BE49-F238E27FC236}">
+                <a16:creationId xmlns:a16="http://schemas.microsoft.com/office/drawing/2014/main" id="{1BFBE423-9A87-4890-AB14-ACCF0F5AF7B4}"/>
+              </a:ext>
+            </a:extLst>
+          </p:cNvPr>
+          <p:cNvSpPr/>
+          <p:nvPr/>
+        </p:nvSpPr>
+        <p:spPr>
+          <a:xfrm>
+            <a:off x="3573679" y="4692783"/>
+            <a:ext cx="4623758" cy="284672"/>
+          </a:xfrm>
+          <a:prstGeom prst="rect">
+            <a:avLst/>
+          </a:prstGeom>
+          <a:solidFill>
+            <a:schemeClr val="tx1"/>
+          </a:solidFill>
+          <a:ln>
+            <a:solidFill>
+              <a:schemeClr val="tx1"/>
+            </a:solidFill>
+          </a:ln>
+        </p:spPr>
+        <p:style>
+          <a:lnRef idx="2">
+            <a:schemeClr val="accent1">
+              <a:shade val="50000"/>
+            </a:schemeClr>
+          </a:lnRef>
+          <a:fillRef idx="1">
+            <a:schemeClr val="accent1"/>
+          </a:fillRef>
+          <a:effectRef idx="0">
+            <a:schemeClr val="accent1"/>
+          </a:effectRef>
+          <a:fontRef idx="minor">
+            <a:schemeClr val="lt1"/>
+          </a:fontRef>
+        </p:style>
+        <p:txBody>
+          <a:bodyPr rtlCol="0" anchor="ctr"/>
+          <a:lstStyle/>
+          <a:p>
+            <a:pPr algn="ctr"/>
+            <a:endParaRPr kumimoji="1" lang="ja-JP" altLang="en-US"/>
+          </a:p>
+        </p:txBody>
+      </p:sp>
+      <p:sp>
+        <p:nvSpPr>
+          <p:cNvPr id="18" name="正方形/長方形 17">
+            <a:extLst>
+              <a:ext uri="{FF2B5EF4-FFF2-40B4-BE49-F238E27FC236}">
+                <a16:creationId xmlns:a16="http://schemas.microsoft.com/office/drawing/2014/main" id="{9FFC49E9-6160-481C-985A-126E7BE97121}"/>
+              </a:ext>
+            </a:extLst>
+          </p:cNvPr>
+          <p:cNvSpPr/>
+          <p:nvPr/>
+        </p:nvSpPr>
+        <p:spPr>
+          <a:xfrm>
+            <a:off x="3573680" y="1803100"/>
+            <a:ext cx="276043" cy="2889682"/>
+          </a:xfrm>
+          <a:prstGeom prst="rect">
+            <a:avLst/>
+          </a:prstGeom>
+          <a:solidFill>
+            <a:schemeClr val="tx1"/>
+          </a:solidFill>
+          <a:ln>
+            <a:solidFill>
+              <a:schemeClr val="tx1"/>
+            </a:solidFill>
+          </a:ln>
+        </p:spPr>
+        <p:style>
+          <a:lnRef idx="2">
+            <a:schemeClr val="accent1">
+              <a:shade val="50000"/>
+            </a:schemeClr>
+          </a:lnRef>
+          <a:fillRef idx="1">
+            <a:schemeClr val="accent1"/>
+          </a:fillRef>
+          <a:effectRef idx="0">
+            <a:schemeClr val="accent1"/>
+          </a:effectRef>
+          <a:fontRef idx="minor">
+            <a:schemeClr val="lt1"/>
+          </a:fontRef>
+        </p:style>
+        <p:txBody>
+          <a:bodyPr rtlCol="0" anchor="ctr"/>
+          <a:lstStyle/>
+          <a:p>
+            <a:pPr algn="ctr"/>
+            <a:endParaRPr kumimoji="1" lang="ja-JP" altLang="en-US"/>
+          </a:p>
+        </p:txBody>
+      </p:sp>
+      <p:sp>
+        <p:nvSpPr>
+          <p:cNvPr id="19" name="正方形/長方形 18">
+            <a:extLst>
+              <a:ext uri="{FF2B5EF4-FFF2-40B4-BE49-F238E27FC236}">
+                <a16:creationId xmlns:a16="http://schemas.microsoft.com/office/drawing/2014/main" id="{BB944C28-1076-4AF2-BC0A-724881BEA5BC}"/>
+              </a:ext>
+            </a:extLst>
+          </p:cNvPr>
+          <p:cNvSpPr/>
+          <p:nvPr/>
+        </p:nvSpPr>
+        <p:spPr>
+          <a:xfrm>
+            <a:off x="7248530" y="232926"/>
+            <a:ext cx="718028" cy="1921701"/>
+          </a:xfrm>
+          <a:prstGeom prst="rect">
+            <a:avLst/>
+          </a:prstGeom>
+          <a:solidFill>
+            <a:schemeClr val="accent2"/>
+          </a:solidFill>
+          <a:ln>
+            <a:solidFill>
+              <a:schemeClr val="tx1"/>
+            </a:solidFill>
+          </a:ln>
+        </p:spPr>
+        <p:style>
+          <a:lnRef idx="2">
+            <a:schemeClr val="accent1">
+              <a:shade val="50000"/>
+            </a:schemeClr>
+          </a:lnRef>
+          <a:fillRef idx="1">
+            <a:schemeClr val="accent1"/>
+          </a:fillRef>
+          <a:effectRef idx="0">
+            <a:schemeClr val="accent1"/>
+          </a:effectRef>
+          <a:fontRef idx="minor">
+            <a:schemeClr val="lt1"/>
+          </a:fontRef>
+        </p:style>
+        <p:txBody>
+          <a:bodyPr rtlCol="0" anchor="ctr"/>
+          <a:lstStyle/>
+          <a:p>
+            <a:pPr algn="ctr"/>
+            <a:endParaRPr kumimoji="1" lang="ja-JP" altLang="en-US"/>
+          </a:p>
+        </p:txBody>
+      </p:sp>
+      <p:sp>
+        <p:nvSpPr>
+          <p:cNvPr id="20" name="矢印: 下 19">
+            <a:extLst>
+              <a:ext uri="{FF2B5EF4-FFF2-40B4-BE49-F238E27FC236}">
+                <a16:creationId xmlns:a16="http://schemas.microsoft.com/office/drawing/2014/main" id="{1E3CD249-E90C-4981-BA46-7A4BB20E48F0}"/>
+              </a:ext>
+            </a:extLst>
+          </p:cNvPr>
+          <p:cNvSpPr/>
+          <p:nvPr/>
+        </p:nvSpPr>
+        <p:spPr>
+          <a:xfrm>
+            <a:off x="7434802" y="2261390"/>
+            <a:ext cx="370936" cy="524177"/>
+          </a:xfrm>
+          <a:prstGeom prst="downArrow">
+            <a:avLst/>
+          </a:prstGeom>
+          <a:solidFill>
+            <a:schemeClr val="accent2"/>
+          </a:solidFill>
+        </p:spPr>
+        <p:style>
+          <a:lnRef idx="2">
+            <a:schemeClr val="accent1">
+              <a:shade val="50000"/>
+            </a:schemeClr>
+          </a:lnRef>
+          <a:fillRef idx="1">
+            <a:schemeClr val="accent1"/>
+          </a:fillRef>
+          <a:effectRef idx="0">
+            <a:schemeClr val="accent1"/>
+          </a:effectRef>
+          <a:fontRef idx="minor">
+            <a:schemeClr val="lt1"/>
+          </a:fontRef>
+        </p:style>
+        <p:txBody>
+          <a:bodyPr rtlCol="0" anchor="ctr"/>
+          <a:lstStyle/>
+          <a:p>
+            <a:pPr algn="ctr"/>
+            <a:endParaRPr kumimoji="1" lang="ja-JP" altLang="en-US"/>
+          </a:p>
+        </p:txBody>
+      </p:sp>
+      <mc:AlternateContent xmlns:mc="http://schemas.openxmlformats.org/markup-compatibility/2006" xmlns:a14="http://schemas.microsoft.com/office/drawing/2010/main">
+        <mc:Choice Requires="a14">
+          <p:sp>
+            <p:nvSpPr>
+              <p:cNvPr id="21" name="テキスト ボックス 20">
+                <a:extLst>
+                  <a:ext uri="{FF2B5EF4-FFF2-40B4-BE49-F238E27FC236}">
+                    <a16:creationId xmlns:a16="http://schemas.microsoft.com/office/drawing/2014/main" id="{BE0EB494-7288-4C36-BC99-2DB4812BD259}"/>
+                  </a:ext>
+                </a:extLst>
+              </p:cNvPr>
+              <p:cNvSpPr txBox="1"/>
+              <p:nvPr/>
+            </p:nvSpPr>
+            <p:spPr>
+              <a:xfrm>
+                <a:off x="3967045" y="1922259"/>
+                <a:ext cx="442621" cy="332399"/>
+              </a:xfrm>
+              <a:prstGeom prst="rect">
+                <a:avLst/>
+              </a:prstGeom>
+              <a:noFill/>
+            </p:spPr>
+            <p:txBody>
+              <a:bodyPr wrap="none" lIns="0" tIns="0" rIns="0" bIns="0" rtlCol="0">
+                <a:spAutoFit/>
+              </a:bodyPr>
+              <a:lstStyle/>
+              <a:p>
+                <a:pPr/>
+                <a14:m>
+                  <m:oMathPara xmlns:m="http://schemas.openxmlformats.org/officeDocument/2006/math">
+                    <m:oMathParaPr>
+                      <m:jc m:val="centerGroup"/>
+                    </m:oMathParaPr>
+                    <m:oMath xmlns:m="http://schemas.openxmlformats.org/officeDocument/2006/math">
+                      <m:sSub>
+                        <m:sSubPr>
+                          <m:ctrlPr>
+                            <a:rPr kumimoji="1" lang="en-US" altLang="ja-JP" sz="2000" b="0" i="1" smtClean="0">
+                              <a:latin typeface="Cambria Math" panose="02040503050406030204" pitchFamily="18" charset="0"/>
+                            </a:rPr>
+                          </m:ctrlPr>
+                        </m:sSubPr>
+                        <m:e>
+                          <m:r>
+                            <a:rPr kumimoji="1" lang="en-US" altLang="ja-JP" sz="2000" b="0" i="1" smtClean="0">
+                              <a:latin typeface="Cambria Math" panose="02040503050406030204" pitchFamily="18" charset="0"/>
+                            </a:rPr>
+                            <m:t>𝜃</m:t>
+                          </m:r>
+                        </m:e>
+                        <m:sub>
+                          <m:r>
+                            <a:rPr kumimoji="1" lang="en-US" altLang="ja-JP" sz="2000" b="0" i="1" smtClean="0">
+                              <a:latin typeface="Cambria Math" panose="02040503050406030204" pitchFamily="18" charset="0"/>
+                            </a:rPr>
+                            <m:t>𝑢𝑓</m:t>
+                          </m:r>
+                        </m:sub>
+                      </m:sSub>
+                    </m:oMath>
+                  </m:oMathPara>
+                </a14:m>
+                <a:endParaRPr kumimoji="1" lang="ja-JP" altLang="en-US" sz="2000" dirty="0"/>
+              </a:p>
+            </p:txBody>
+          </p:sp>
+        </mc:Choice>
+        <mc:Fallback xmlns="">
+          <p:sp>
+            <p:nvSpPr>
+              <p:cNvPr id="21" name="テキスト ボックス 20">
+                <a:extLst>
+                  <a:ext uri="{FF2B5EF4-FFF2-40B4-BE49-F238E27FC236}">
+                    <a16:creationId xmlns:a16="http://schemas.microsoft.com/office/drawing/2014/main" id="{BE0EB494-7288-4C36-BC99-2DB4812BD259}"/>
+                  </a:ext>
+                </a:extLst>
+              </p:cNvPr>
+              <p:cNvSpPr txBox="1">
+                <a:spLocks noRot="1" noChangeAspect="1" noMove="1" noResize="1" noEditPoints="1" noAdjustHandles="1" noChangeArrowheads="1" noChangeShapeType="1" noTextEdit="1"/>
+              </p:cNvSpPr>
+              <p:nvPr/>
+            </p:nvSpPr>
+            <p:spPr>
+              <a:xfrm>
+                <a:off x="3967045" y="1922259"/>
+                <a:ext cx="442621" cy="332399"/>
+              </a:xfrm>
+              <a:prstGeom prst="rect">
+                <a:avLst/>
+              </a:prstGeom>
+              <a:blipFill>
+                <a:blip r:embed="rId2"/>
+                <a:stretch>
+                  <a:fillRect l="-13889" r="-11111" b="-25455"/>
+                </a:stretch>
+              </a:blipFill>
+            </p:spPr>
+            <p:txBody>
+              <a:bodyPr/>
+              <a:lstStyle/>
+              <a:p>
+                <a:r>
+                  <a:rPr lang="ja-JP" altLang="en-US">
+                    <a:noFill/>
+                  </a:rPr>
+                  <a:t> </a:t>
+                </a:r>
+              </a:p>
+            </p:txBody>
+          </p:sp>
+        </mc:Fallback>
+      </mc:AlternateContent>
+      <mc:AlternateContent xmlns:mc="http://schemas.openxmlformats.org/markup-compatibility/2006" xmlns:a14="http://schemas.microsoft.com/office/drawing/2010/main">
+        <mc:Choice Requires="a14">
+          <p:sp>
+            <p:nvSpPr>
+              <p:cNvPr id="22" name="テキスト ボックス 21">
+                <a:extLst>
+                  <a:ext uri="{FF2B5EF4-FFF2-40B4-BE49-F238E27FC236}">
+                    <a16:creationId xmlns:a16="http://schemas.microsoft.com/office/drawing/2014/main" id="{2B63AB02-09E7-4EA6-869D-9336E58424A5}"/>
+                  </a:ext>
+                </a:extLst>
+              </p:cNvPr>
+              <p:cNvSpPr txBox="1"/>
+              <p:nvPr/>
+            </p:nvSpPr>
+            <p:spPr>
+              <a:xfrm>
+                <a:off x="3939241" y="1060560"/>
+                <a:ext cx="521168" cy="332399"/>
+              </a:xfrm>
+              <a:prstGeom prst="rect">
+                <a:avLst/>
+              </a:prstGeom>
+              <a:noFill/>
+            </p:spPr>
+            <p:txBody>
+              <a:bodyPr wrap="none" lIns="0" tIns="0" rIns="0" bIns="0" rtlCol="0">
+                <a:spAutoFit/>
+              </a:bodyPr>
+              <a:lstStyle/>
+              <a:p>
+                <a:pPr/>
+                <a14:m>
+                  <m:oMathPara xmlns:m="http://schemas.openxmlformats.org/officeDocument/2006/math">
+                    <m:oMathParaPr>
+                      <m:jc m:val="centerGroup"/>
+                    </m:oMathParaPr>
+                    <m:oMath xmlns:m="http://schemas.openxmlformats.org/officeDocument/2006/math">
+                      <m:sSub>
+                        <m:sSubPr>
+                          <m:ctrlPr>
+                            <a:rPr kumimoji="1" lang="en-US" altLang="ja-JP" sz="2000" b="0" i="1" smtClean="0">
+                              <a:latin typeface="Cambria Math" panose="02040503050406030204" pitchFamily="18" charset="0"/>
+                            </a:rPr>
+                          </m:ctrlPr>
+                        </m:sSubPr>
+                        <m:e>
+                          <m:r>
+                            <a:rPr kumimoji="1" lang="en-US" altLang="ja-JP" sz="2000" b="0" i="1" smtClean="0">
+                              <a:latin typeface="Cambria Math" panose="02040503050406030204" pitchFamily="18" charset="0"/>
+                            </a:rPr>
+                            <m:t>𝜃</m:t>
+                          </m:r>
+                        </m:e>
+                        <m:sub>
+                          <m:r>
+                            <a:rPr kumimoji="1" lang="en-US" altLang="ja-JP" sz="2000" b="0" i="1" smtClean="0">
+                              <a:latin typeface="Cambria Math" panose="02040503050406030204" pitchFamily="18" charset="0"/>
+                            </a:rPr>
+                            <m:t>𝑟𝑒𝑓</m:t>
+                          </m:r>
+                        </m:sub>
+                      </m:sSub>
+                    </m:oMath>
+                  </m:oMathPara>
+                </a14:m>
+                <a:endParaRPr kumimoji="1" lang="ja-JP" altLang="en-US" sz="2000" dirty="0"/>
+              </a:p>
+            </p:txBody>
+          </p:sp>
+        </mc:Choice>
+        <mc:Fallback xmlns="">
+          <p:sp>
+            <p:nvSpPr>
+              <p:cNvPr id="22" name="テキスト ボックス 21">
+                <a:extLst>
+                  <a:ext uri="{FF2B5EF4-FFF2-40B4-BE49-F238E27FC236}">
+                    <a16:creationId xmlns:a16="http://schemas.microsoft.com/office/drawing/2014/main" id="{2B63AB02-09E7-4EA6-869D-9336E58424A5}"/>
+                  </a:ext>
+                </a:extLst>
+              </p:cNvPr>
+              <p:cNvSpPr txBox="1">
+                <a:spLocks noRot="1" noChangeAspect="1" noMove="1" noResize="1" noEditPoints="1" noAdjustHandles="1" noChangeArrowheads="1" noChangeShapeType="1" noTextEdit="1"/>
+              </p:cNvSpPr>
+              <p:nvPr/>
+            </p:nvSpPr>
+            <p:spPr>
+              <a:xfrm>
+                <a:off x="3939241" y="1060560"/>
+                <a:ext cx="521168" cy="332399"/>
+              </a:xfrm>
+              <a:prstGeom prst="rect">
+                <a:avLst/>
+              </a:prstGeom>
+              <a:blipFill>
+                <a:blip r:embed="rId3"/>
+                <a:stretch>
+                  <a:fillRect l="-11628" r="-8140" b="-25455"/>
+                </a:stretch>
+              </a:blipFill>
+            </p:spPr>
+            <p:txBody>
+              <a:bodyPr/>
+              <a:lstStyle/>
+              <a:p>
+                <a:r>
+                  <a:rPr lang="ja-JP" altLang="en-US">
+                    <a:noFill/>
+                  </a:rPr>
+                  <a:t> </a:t>
+                </a:r>
+              </a:p>
+            </p:txBody>
+          </p:sp>
+        </mc:Fallback>
+      </mc:AlternateContent>
+      <mc:AlternateContent xmlns:mc="http://schemas.openxmlformats.org/markup-compatibility/2006" xmlns:a14="http://schemas.microsoft.com/office/drawing/2010/main">
+        <mc:Choice Requires="a14">
+          <p:sp>
+            <p:nvSpPr>
+              <p:cNvPr id="23" name="テキスト ボックス 22">
+                <a:extLst>
+                  <a:ext uri="{FF2B5EF4-FFF2-40B4-BE49-F238E27FC236}">
+                    <a16:creationId xmlns:a16="http://schemas.microsoft.com/office/drawing/2014/main" id="{374E2079-7E3C-4A0D-8744-64477B544CF5}"/>
+                  </a:ext>
+                </a:extLst>
+              </p:cNvPr>
+              <p:cNvSpPr txBox="1"/>
+              <p:nvPr/>
+            </p:nvSpPr>
+            <p:spPr>
+              <a:xfrm>
+                <a:off x="3074103" y="1506875"/>
+                <a:ext cx="414216" cy="307777"/>
+              </a:xfrm>
+              <a:prstGeom prst="rect">
+                <a:avLst/>
+              </a:prstGeom>
+              <a:noFill/>
+            </p:spPr>
+            <p:txBody>
+              <a:bodyPr wrap="none" lIns="0" tIns="0" rIns="0" bIns="0" rtlCol="0">
+                <a:spAutoFit/>
+              </a:bodyPr>
+              <a:lstStyle/>
+              <a:p>
+                <a:pPr/>
+                <a14:m>
+                  <m:oMathPara xmlns:m="http://schemas.openxmlformats.org/officeDocument/2006/math">
+                    <m:oMathParaPr>
+                      <m:jc m:val="centerGroup"/>
+                    </m:oMathParaPr>
+                    <m:oMath xmlns:m="http://schemas.openxmlformats.org/officeDocument/2006/math">
+                      <m:sSub>
+                        <m:sSubPr>
+                          <m:ctrlPr>
+                            <a:rPr kumimoji="1" lang="en-US" altLang="ja-JP" sz="2000" b="0" i="1" smtClean="0">
+                              <a:latin typeface="Cambria Math" panose="02040503050406030204" pitchFamily="18" charset="0"/>
+                            </a:rPr>
+                          </m:ctrlPr>
+                        </m:sSubPr>
+                        <m:e>
+                          <m:r>
+                            <a:rPr kumimoji="1" lang="en-US" altLang="ja-JP" sz="2000" b="0" i="1" smtClean="0">
+                              <a:latin typeface="Cambria Math" panose="02040503050406030204" pitchFamily="18" charset="0"/>
+                            </a:rPr>
+                            <m:t>𝜃</m:t>
+                          </m:r>
+                        </m:e>
+                        <m:sub>
+                          <m:r>
+                            <a:rPr kumimoji="1" lang="en-US" altLang="ja-JP" sz="2000" b="0" i="1" smtClean="0">
+                              <a:latin typeface="Cambria Math" panose="02040503050406030204" pitchFamily="18" charset="0"/>
+                            </a:rPr>
+                            <m:t>𝑒𝑥</m:t>
+                          </m:r>
+                        </m:sub>
+                      </m:sSub>
+                    </m:oMath>
+                  </m:oMathPara>
+                </a14:m>
+                <a:endParaRPr kumimoji="1" lang="ja-JP" altLang="en-US" sz="2000" dirty="0"/>
+              </a:p>
+            </p:txBody>
+          </p:sp>
+        </mc:Choice>
+        <mc:Fallback xmlns="">
+          <p:sp>
+            <p:nvSpPr>
+              <p:cNvPr id="23" name="テキスト ボックス 22">
+                <a:extLst>
+                  <a:ext uri="{FF2B5EF4-FFF2-40B4-BE49-F238E27FC236}">
+                    <a16:creationId xmlns:a16="http://schemas.microsoft.com/office/drawing/2014/main" id="{374E2079-7E3C-4A0D-8744-64477B544CF5}"/>
+                  </a:ext>
+                </a:extLst>
+              </p:cNvPr>
+              <p:cNvSpPr txBox="1">
+                <a:spLocks noRot="1" noChangeAspect="1" noMove="1" noResize="1" noEditPoints="1" noAdjustHandles="1" noChangeArrowheads="1" noChangeShapeType="1" noTextEdit="1"/>
+              </p:cNvSpPr>
+              <p:nvPr/>
+            </p:nvSpPr>
+            <p:spPr>
+              <a:xfrm>
+                <a:off x="3074103" y="1506875"/>
+                <a:ext cx="414216" cy="307777"/>
+              </a:xfrm>
+              <a:prstGeom prst="rect">
+                <a:avLst/>
+              </a:prstGeom>
+              <a:blipFill>
+                <a:blip r:embed="rId4"/>
+                <a:stretch>
+                  <a:fillRect l="-14706" r="-1471" b="-9804"/>
+                </a:stretch>
+              </a:blipFill>
+            </p:spPr>
+            <p:txBody>
+              <a:bodyPr/>
+              <a:lstStyle/>
+              <a:p>
+                <a:r>
+                  <a:rPr lang="ja-JP" altLang="en-US">
+                    <a:noFill/>
+                  </a:rPr>
+                  <a:t> </a:t>
+                </a:r>
+              </a:p>
+            </p:txBody>
+          </p:sp>
+        </mc:Fallback>
+      </mc:AlternateContent>
+      <mc:AlternateContent xmlns:mc="http://schemas.openxmlformats.org/markup-compatibility/2006" xmlns:a14="http://schemas.microsoft.com/office/drawing/2010/main">
+        <mc:Choice Requires="a14">
+          <p:sp>
+            <p:nvSpPr>
+              <p:cNvPr id="24" name="テキスト ボックス 23">
+                <a:extLst>
+                  <a:ext uri="{FF2B5EF4-FFF2-40B4-BE49-F238E27FC236}">
+                    <a16:creationId xmlns:a16="http://schemas.microsoft.com/office/drawing/2014/main" id="{41014C54-32E5-4542-A490-24FCDD739188}"/>
+                  </a:ext>
+                </a:extLst>
+              </p:cNvPr>
+              <p:cNvSpPr txBox="1"/>
+              <p:nvPr/>
+            </p:nvSpPr>
+            <p:spPr>
+              <a:xfrm>
+                <a:off x="5617286" y="2872123"/>
+                <a:ext cx="3415102" cy="496226"/>
+              </a:xfrm>
+              <a:prstGeom prst="rect">
+                <a:avLst/>
+              </a:prstGeom>
+              <a:noFill/>
+            </p:spPr>
+            <p:txBody>
+              <a:bodyPr wrap="none" lIns="0" tIns="0" rIns="0" bIns="0" rtlCol="0">
+                <a:spAutoFit/>
+              </a:bodyPr>
+              <a:lstStyle/>
+              <a:p>
+                <a14:m>
+                  <m:oMath xmlns:m="http://schemas.openxmlformats.org/officeDocument/2006/math">
+                    <m:r>
+                      <a:rPr kumimoji="1" lang="en-US" altLang="ja-JP" sz="2800" b="0" i="1" smtClean="0">
+                        <a:latin typeface="Cambria Math" panose="02040503050406030204" pitchFamily="18" charset="0"/>
+                      </a:rPr>
+                      <m:t>𝜌</m:t>
+                    </m:r>
+                    <m:r>
+                      <a:rPr kumimoji="1" lang="en-US" altLang="ja-JP" sz="2800" b="0" i="1" smtClean="0">
+                        <a:latin typeface="Cambria Math" panose="02040503050406030204" pitchFamily="18" charset="0"/>
+                      </a:rPr>
+                      <m:t>𝑐</m:t>
+                    </m:r>
+                    <m:sSub>
+                      <m:sSubPr>
+                        <m:ctrlPr>
+                          <a:rPr kumimoji="1" lang="en-US" altLang="ja-JP" sz="2800" b="0" i="1" smtClean="0">
+                            <a:latin typeface="Cambria Math" panose="02040503050406030204" pitchFamily="18" charset="0"/>
+                          </a:rPr>
+                        </m:ctrlPr>
+                      </m:sSubPr>
+                      <m:e>
+                        <m:r>
+                          <a:rPr kumimoji="1" lang="en-US" altLang="ja-JP" sz="2800" b="0" i="1" smtClean="0">
+                            <a:latin typeface="Cambria Math" panose="02040503050406030204" pitchFamily="18" charset="0"/>
+                          </a:rPr>
+                          <m:t>𝑉</m:t>
+                        </m:r>
+                      </m:e>
+                      <m:sub>
+                        <m:r>
+                          <a:rPr kumimoji="1" lang="en-US" altLang="ja-JP" sz="2800" b="0" i="1" smtClean="0">
+                            <a:latin typeface="Cambria Math" panose="02040503050406030204" pitchFamily="18" charset="0"/>
+                          </a:rPr>
+                          <m:t>𝑠𝑎</m:t>
+                        </m:r>
+                      </m:sub>
+                    </m:sSub>
+                    <m:d>
+                      <m:dPr>
+                        <m:ctrlPr>
+                          <a:rPr kumimoji="1" lang="en-US" altLang="ja-JP" sz="2800" b="0" i="1" smtClean="0">
+                            <a:latin typeface="Cambria Math" panose="02040503050406030204" pitchFamily="18" charset="0"/>
+                          </a:rPr>
+                        </m:ctrlPr>
+                      </m:dPr>
+                      <m:e>
+                        <m:sSub>
+                          <m:sSubPr>
+                            <m:ctrlPr>
+                              <a:rPr kumimoji="1" lang="en-US" altLang="ja-JP" sz="2800" b="0" i="1" smtClean="0">
+                                <a:latin typeface="Cambria Math" panose="02040503050406030204" pitchFamily="18" charset="0"/>
+                              </a:rPr>
+                            </m:ctrlPr>
+                          </m:sSubPr>
+                          <m:e>
+                            <m:r>
+                              <a:rPr kumimoji="1" lang="en-US" altLang="ja-JP" sz="2800" i="1">
+                                <a:latin typeface="Cambria Math" panose="02040503050406030204" pitchFamily="18" charset="0"/>
+                              </a:rPr>
+                              <m:t>𝜃</m:t>
+                            </m:r>
+                          </m:e>
+                          <m:sub>
+                            <m:r>
+                              <a:rPr kumimoji="1" lang="en-US" altLang="ja-JP" sz="2800" b="0" i="1" smtClean="0">
+                                <a:latin typeface="Cambria Math" panose="02040503050406030204" pitchFamily="18" charset="0"/>
+                              </a:rPr>
+                              <m:t>𝑠𝑎</m:t>
+                            </m:r>
+                          </m:sub>
+                        </m:sSub>
+                        <m:r>
+                          <a:rPr kumimoji="1" lang="en-US" altLang="ja-JP" sz="2800" b="0" i="1" smtClean="0">
+                            <a:latin typeface="Cambria Math" panose="02040503050406030204" pitchFamily="18" charset="0"/>
+                          </a:rPr>
+                          <m:t>−</m:t>
+                        </m:r>
+                        <m:sSub>
+                          <m:sSubPr>
+                            <m:ctrlPr>
+                              <a:rPr kumimoji="1" lang="en-US" altLang="ja-JP" sz="2800" b="0" i="1" smtClean="0">
+                                <a:latin typeface="Cambria Math" panose="02040503050406030204" pitchFamily="18" charset="0"/>
+                              </a:rPr>
+                            </m:ctrlPr>
+                          </m:sSubPr>
+                          <m:e>
+                            <m:r>
+                              <a:rPr kumimoji="1" lang="en-US" altLang="ja-JP" sz="2800" b="0" i="1" smtClean="0">
+                                <a:latin typeface="Cambria Math" panose="02040503050406030204" pitchFamily="18" charset="0"/>
+                              </a:rPr>
+                              <m:t>𝜃</m:t>
+                            </m:r>
+                          </m:e>
+                          <m:sub>
+                            <m:r>
+                              <a:rPr kumimoji="1" lang="en-US" altLang="ja-JP" sz="2800" b="0" i="1" smtClean="0">
+                                <a:latin typeface="Cambria Math" panose="02040503050406030204" pitchFamily="18" charset="0"/>
+                              </a:rPr>
+                              <m:t>𝑢𝑓</m:t>
+                            </m:r>
+                          </m:sub>
+                        </m:sSub>
+                      </m:e>
+                    </m:d>
+                    <m:r>
+                      <a:rPr kumimoji="1" lang="en-US" altLang="ja-JP" sz="2800" i="1">
+                        <a:latin typeface="Cambria Math" panose="02040503050406030204" pitchFamily="18" charset="0"/>
+                      </a:rPr>
+                      <m:t>÷</m:t>
+                    </m:r>
+                  </m:oMath>
+                </a14:m>
+                <a:r>
+                  <a:rPr kumimoji="1" lang="en-US" altLang="ja-JP" sz="2800" dirty="0"/>
+                  <a:t>3.6</a:t>
+                </a:r>
+                <a:endParaRPr kumimoji="1" lang="ja-JP" altLang="en-US" sz="2800" dirty="0"/>
+              </a:p>
+            </p:txBody>
+          </p:sp>
+        </mc:Choice>
+        <mc:Fallback xmlns="">
+          <p:sp>
+            <p:nvSpPr>
+              <p:cNvPr id="24" name="テキスト ボックス 23">
+                <a:extLst>
+                  <a:ext uri="{FF2B5EF4-FFF2-40B4-BE49-F238E27FC236}">
+                    <a16:creationId xmlns:a16="http://schemas.microsoft.com/office/drawing/2014/main" id="{41014C54-32E5-4542-A490-24FCDD739188}"/>
+                  </a:ext>
+                </a:extLst>
+              </p:cNvPr>
+              <p:cNvSpPr txBox="1">
+                <a:spLocks noRot="1" noChangeAspect="1" noMove="1" noResize="1" noEditPoints="1" noAdjustHandles="1" noChangeArrowheads="1" noChangeShapeType="1" noTextEdit="1"/>
+              </p:cNvSpPr>
+              <p:nvPr/>
+            </p:nvSpPr>
+            <p:spPr>
+              <a:xfrm>
+                <a:off x="5617286" y="2872123"/>
+                <a:ext cx="3415102" cy="496226"/>
+              </a:xfrm>
+              <a:prstGeom prst="rect">
+                <a:avLst/>
+              </a:prstGeom>
+              <a:blipFill>
+                <a:blip r:embed="rId5"/>
+                <a:stretch>
+                  <a:fillRect t="-14634" r="-5169" b="-36585"/>
+                </a:stretch>
+              </a:blipFill>
+            </p:spPr>
+            <p:txBody>
+              <a:bodyPr/>
+              <a:lstStyle/>
+              <a:p>
+                <a:r>
+                  <a:rPr lang="ja-JP" altLang="en-US">
+                    <a:noFill/>
+                  </a:rPr>
+                  <a:t> </a:t>
+                </a:r>
+              </a:p>
+            </p:txBody>
+          </p:sp>
+        </mc:Fallback>
+      </mc:AlternateContent>
+      <p:cxnSp>
+        <p:nvCxnSpPr>
+          <p:cNvPr id="26" name="直線矢印コネクタ 25">
+            <a:extLst>
+              <a:ext uri="{FF2B5EF4-FFF2-40B4-BE49-F238E27FC236}">
+                <a16:creationId xmlns:a16="http://schemas.microsoft.com/office/drawing/2014/main" id="{8BF34339-8BB6-491B-9B48-BB22C8E2FC28}"/>
+              </a:ext>
+            </a:extLst>
+          </p:cNvPr>
+          <p:cNvCxnSpPr>
+            <a:cxnSpLocks/>
+          </p:cNvCxnSpPr>
+          <p:nvPr/>
+        </p:nvCxnSpPr>
+        <p:spPr>
+          <a:xfrm flipV="1">
+            <a:off x="6184643" y="639843"/>
+            <a:ext cx="0" cy="1630448"/>
+          </a:xfrm>
+          <a:prstGeom prst="straightConnector1">
+            <a:avLst/>
+          </a:prstGeom>
+          <a:ln w="76200">
+            <a:solidFill>
+              <a:schemeClr val="accent1"/>
+            </a:solidFill>
+            <a:tailEnd type="triangle"/>
+          </a:ln>
+        </p:spPr>
+        <p:style>
+          <a:lnRef idx="1">
+            <a:schemeClr val="accent1"/>
+          </a:lnRef>
+          <a:fillRef idx="0">
+            <a:schemeClr val="accent1"/>
+          </a:fillRef>
+          <a:effectRef idx="0">
+            <a:schemeClr val="accent1"/>
+          </a:effectRef>
+          <a:fontRef idx="minor">
+            <a:schemeClr val="tx1"/>
+          </a:fontRef>
+        </p:style>
+      </p:cxnSp>
+      <mc:AlternateContent xmlns:mc="http://schemas.openxmlformats.org/markup-compatibility/2006" xmlns:a14="http://schemas.microsoft.com/office/drawing/2010/main">
+        <mc:Choice Requires="a14">
+          <p:sp>
+            <p:nvSpPr>
+              <p:cNvPr id="27" name="テキスト ボックス 26">
+                <a:extLst>
+                  <a:ext uri="{FF2B5EF4-FFF2-40B4-BE49-F238E27FC236}">
+                    <a16:creationId xmlns:a16="http://schemas.microsoft.com/office/drawing/2014/main" id="{62F71B9F-3779-480F-B756-7783E89054C9}"/>
+                  </a:ext>
+                </a:extLst>
+              </p:cNvPr>
+              <p:cNvSpPr txBox="1"/>
+              <p:nvPr/>
+            </p:nvSpPr>
+            <p:spPr>
+              <a:xfrm>
+                <a:off x="680543" y="34196"/>
+                <a:ext cx="5289781" cy="1211294"/>
+              </a:xfrm>
+              <a:prstGeom prst="rect">
+                <a:avLst/>
+              </a:prstGeom>
+              <a:noFill/>
+            </p:spPr>
+            <p:txBody>
+              <a:bodyPr wrap="none" lIns="0" tIns="0" rIns="0" bIns="0" rtlCol="0">
+                <a:spAutoFit/>
+              </a:bodyPr>
+              <a:lstStyle/>
+              <a:p>
+                <a:pPr/>
+                <a14:m>
+                  <m:oMathPara xmlns:m="http://schemas.openxmlformats.org/officeDocument/2006/math">
+                    <m:oMathParaPr>
+                      <m:jc m:val="centerGroup"/>
+                    </m:oMathParaPr>
+                    <m:oMath xmlns:m="http://schemas.openxmlformats.org/officeDocument/2006/math">
+                      <m:nary>
+                        <m:naryPr>
+                          <m:chr m:val="∑"/>
+                          <m:ctrlPr>
+                            <a:rPr kumimoji="1" lang="en-US" altLang="ja-JP" sz="2800" b="0" i="1" smtClean="0">
+                              <a:latin typeface="Cambria Math" panose="02040503050406030204" pitchFamily="18" charset="0"/>
+                            </a:rPr>
+                          </m:ctrlPr>
+                        </m:naryPr>
+                        <m:sub>
+                          <m:r>
+                            <m:rPr>
+                              <m:brk m:alnAt="23"/>
+                            </m:rPr>
+                            <a:rPr kumimoji="1" lang="en-US" altLang="ja-JP" sz="2800" b="0" i="1" smtClean="0">
+                              <a:latin typeface="Cambria Math" panose="02040503050406030204" pitchFamily="18" charset="0"/>
+                            </a:rPr>
+                            <m:t>𝑖</m:t>
+                          </m:r>
+                          <m:r>
+                            <a:rPr kumimoji="1" lang="en-US" altLang="ja-JP" sz="2800" b="0" i="1" smtClean="0">
+                              <a:latin typeface="Cambria Math" panose="02040503050406030204" pitchFamily="18" charset="0"/>
+                            </a:rPr>
+                            <m:t>=1</m:t>
+                          </m:r>
+                        </m:sub>
+                        <m:sup>
+                          <m:r>
+                            <a:rPr kumimoji="1" lang="en-US" altLang="ja-JP" sz="2800" b="0" i="1" smtClean="0">
+                              <a:latin typeface="Cambria Math" panose="02040503050406030204" pitchFamily="18" charset="0"/>
+                            </a:rPr>
+                            <m:t>12</m:t>
+                          </m:r>
+                        </m:sup>
+                        <m:e>
+                          <m:sSub>
+                            <m:sSubPr>
+                              <m:ctrlPr>
+                                <a:rPr kumimoji="1" lang="en-US" altLang="ja-JP" sz="2800" i="1">
+                                  <a:latin typeface="Cambria Math" panose="02040503050406030204" pitchFamily="18" charset="0"/>
+                                </a:rPr>
+                              </m:ctrlPr>
+                            </m:sSubPr>
+                            <m:e>
+                              <m:r>
+                                <a:rPr kumimoji="1" lang="en-US" altLang="ja-JP" sz="2800" i="1">
+                                  <a:latin typeface="Cambria Math" panose="02040503050406030204" pitchFamily="18" charset="0"/>
+                                </a:rPr>
+                                <m:t>𝑈</m:t>
+                              </m:r>
+                            </m:e>
+                            <m:sub>
+                              <m:r>
+                                <a:rPr kumimoji="1" lang="en-US" altLang="ja-JP" sz="2800" i="1">
+                                  <a:latin typeface="Cambria Math" panose="02040503050406030204" pitchFamily="18" charset="0"/>
+                                </a:rPr>
+                                <m:t>𝑠</m:t>
+                              </m:r>
+                            </m:sub>
+                          </m:sSub>
+                          <m:sSub>
+                            <m:sSubPr>
+                              <m:ctrlPr>
+                                <a:rPr kumimoji="1" lang="en-US" altLang="ja-JP" sz="2800" i="1">
+                                  <a:latin typeface="Cambria Math" panose="02040503050406030204" pitchFamily="18" charset="0"/>
+                                </a:rPr>
+                              </m:ctrlPr>
+                            </m:sSubPr>
+                            <m:e>
+                              <m:r>
+                                <a:rPr kumimoji="1" lang="en-US" altLang="ja-JP" sz="2800" i="1">
+                                  <a:latin typeface="Cambria Math" panose="02040503050406030204" pitchFamily="18" charset="0"/>
+                                </a:rPr>
+                                <m:t>𝐴</m:t>
+                              </m:r>
+                            </m:e>
+                            <m:sub>
+                              <m:r>
+                                <a:rPr kumimoji="1" lang="en-US" altLang="ja-JP" sz="2800" i="1">
+                                  <a:latin typeface="Cambria Math" panose="02040503050406030204" pitchFamily="18" charset="0"/>
+                                </a:rPr>
+                                <m:t>𝑠</m:t>
+                              </m:r>
+                              <m:r>
+                                <a:rPr kumimoji="1" lang="en-US" altLang="ja-JP" sz="2800" i="1">
+                                  <a:latin typeface="Cambria Math" panose="02040503050406030204" pitchFamily="18" charset="0"/>
+                                </a:rPr>
+                                <m:t>,</m:t>
+                              </m:r>
+                              <m:r>
+                                <a:rPr kumimoji="1" lang="en-US" altLang="ja-JP" sz="2800" i="1">
+                                  <a:latin typeface="Cambria Math" panose="02040503050406030204" pitchFamily="18" charset="0"/>
+                                </a:rPr>
+                                <m:t>𝑢𝑓𝑣𝑛𝑡</m:t>
+                              </m:r>
+                              <m:r>
+                                <a:rPr kumimoji="1" lang="en-US" altLang="ja-JP" sz="2800" i="1">
+                                  <a:latin typeface="Cambria Math" panose="02040503050406030204" pitchFamily="18" charset="0"/>
+                                </a:rPr>
+                                <m:t>,</m:t>
+                              </m:r>
+                              <m:r>
+                                <a:rPr kumimoji="1" lang="en-US" altLang="ja-JP" sz="2800" i="1">
+                                  <a:latin typeface="Cambria Math" panose="02040503050406030204" pitchFamily="18" charset="0"/>
+                                </a:rPr>
+                                <m:t>𝑖</m:t>
+                              </m:r>
+                            </m:sub>
+                          </m:sSub>
+                          <m:sSub>
+                            <m:sSubPr>
+                              <m:ctrlPr>
+                                <a:rPr kumimoji="1" lang="en-US" altLang="ja-JP" sz="2800" i="1">
+                                  <a:latin typeface="Cambria Math" panose="02040503050406030204" pitchFamily="18" charset="0"/>
+                                </a:rPr>
+                              </m:ctrlPr>
+                            </m:sSubPr>
+                            <m:e>
+                              <m:r>
+                                <a:rPr kumimoji="1" lang="en-US" altLang="ja-JP" sz="2800" i="1">
+                                  <a:latin typeface="Cambria Math" panose="02040503050406030204" pitchFamily="18" charset="0"/>
+                                </a:rPr>
+                                <m:t>𝐻</m:t>
+                              </m:r>
+                            </m:e>
+                            <m:sub>
+                              <m:r>
+                                <a:rPr kumimoji="1" lang="en-US" altLang="ja-JP" sz="2800" i="1">
+                                  <a:latin typeface="Cambria Math" panose="02040503050406030204" pitchFamily="18" charset="0"/>
+                                </a:rPr>
+                                <m:t>𝑟𝑒𝑓</m:t>
+                              </m:r>
+                              <m:r>
+                                <a:rPr kumimoji="1" lang="en-US" altLang="ja-JP" sz="2800" i="1">
+                                  <a:latin typeface="Cambria Math" panose="02040503050406030204" pitchFamily="18" charset="0"/>
+                                </a:rPr>
+                                <m:t>,</m:t>
+                              </m:r>
+                              <m:r>
+                                <a:rPr kumimoji="1" lang="en-US" altLang="ja-JP" sz="2800" i="1">
+                                  <a:latin typeface="Cambria Math" panose="02040503050406030204" pitchFamily="18" charset="0"/>
+                                </a:rPr>
+                                <m:t>𝑖</m:t>
+                              </m:r>
+                            </m:sub>
+                          </m:sSub>
+                          <m:d>
+                            <m:dPr>
+                              <m:ctrlPr>
+                                <a:rPr kumimoji="1" lang="en-US" altLang="ja-JP" sz="2800" i="1">
+                                  <a:latin typeface="Cambria Math" panose="02040503050406030204" pitchFamily="18" charset="0"/>
+                                </a:rPr>
+                              </m:ctrlPr>
+                            </m:dPr>
+                            <m:e>
+                              <m:sSub>
+                                <m:sSubPr>
+                                  <m:ctrlPr>
+                                    <a:rPr kumimoji="1" lang="en-US" altLang="ja-JP" sz="2800" i="1">
+                                      <a:latin typeface="Cambria Math" panose="02040503050406030204" pitchFamily="18" charset="0"/>
+                                    </a:rPr>
+                                  </m:ctrlPr>
+                                </m:sSubPr>
+                                <m:e>
+                                  <m:r>
+                                    <a:rPr kumimoji="1" lang="en-US" altLang="ja-JP" sz="2800" i="1">
+                                      <a:latin typeface="Cambria Math" panose="02040503050406030204" pitchFamily="18" charset="0"/>
+                                    </a:rPr>
+                                    <m:t>𝜃</m:t>
+                                  </m:r>
+                                </m:e>
+                                <m:sub>
+                                  <m:r>
+                                    <a:rPr kumimoji="1" lang="en-US" altLang="ja-JP" sz="2800" i="1">
+                                      <a:latin typeface="Cambria Math" panose="02040503050406030204" pitchFamily="18" charset="0"/>
+                                    </a:rPr>
+                                    <m:t>𝑢𝑓</m:t>
+                                  </m:r>
+                                </m:sub>
+                              </m:sSub>
+                              <m:r>
+                                <a:rPr kumimoji="1" lang="en-US" altLang="ja-JP" sz="2800" i="1">
+                                  <a:latin typeface="Cambria Math" panose="02040503050406030204" pitchFamily="18" charset="0"/>
+                                </a:rPr>
+                                <m:t>−</m:t>
+                              </m:r>
+                              <m:sSub>
+                                <m:sSubPr>
+                                  <m:ctrlPr>
+                                    <a:rPr kumimoji="1" lang="en-US" altLang="ja-JP" sz="2800" i="1">
+                                      <a:latin typeface="Cambria Math" panose="02040503050406030204" pitchFamily="18" charset="0"/>
+                                    </a:rPr>
+                                  </m:ctrlPr>
+                                </m:sSubPr>
+                                <m:e>
+                                  <m:r>
+                                    <a:rPr kumimoji="1" lang="en-US" altLang="ja-JP" sz="2800" i="1">
+                                      <a:latin typeface="Cambria Math" panose="02040503050406030204" pitchFamily="18" charset="0"/>
+                                    </a:rPr>
+                                    <m:t>𝜃</m:t>
+                                  </m:r>
+                                </m:e>
+                                <m:sub>
+                                  <m:r>
+                                    <a:rPr kumimoji="1" lang="en-US" altLang="ja-JP" sz="2800" i="1">
+                                      <a:latin typeface="Cambria Math" panose="02040503050406030204" pitchFamily="18" charset="0"/>
+                                    </a:rPr>
+                                    <m:t>𝑟𝑒𝑓</m:t>
+                                  </m:r>
+                                  <m:r>
+                                    <a:rPr kumimoji="1" lang="en-US" altLang="ja-JP" sz="2800" i="1">
+                                      <a:latin typeface="Cambria Math" panose="02040503050406030204" pitchFamily="18" charset="0"/>
+                                    </a:rPr>
+                                    <m:t>,</m:t>
+                                  </m:r>
+                                  <m:r>
+                                    <a:rPr kumimoji="1" lang="en-US" altLang="ja-JP" sz="2800" i="1">
+                                      <a:latin typeface="Cambria Math" panose="02040503050406030204" pitchFamily="18" charset="0"/>
+                                    </a:rPr>
+                                    <m:t>𝑖</m:t>
+                                  </m:r>
+                                </m:sub>
+                              </m:sSub>
+                            </m:e>
+                          </m:d>
+                        </m:e>
+                      </m:nary>
+                    </m:oMath>
+                  </m:oMathPara>
+                </a14:m>
+                <a:endParaRPr kumimoji="1" lang="ja-JP" altLang="en-US" sz="2800" dirty="0"/>
+              </a:p>
+            </p:txBody>
+          </p:sp>
+        </mc:Choice>
+        <mc:Fallback xmlns="">
+          <p:sp>
+            <p:nvSpPr>
+              <p:cNvPr id="27" name="テキスト ボックス 26">
+                <a:extLst>
+                  <a:ext uri="{FF2B5EF4-FFF2-40B4-BE49-F238E27FC236}">
+                    <a16:creationId xmlns:a16="http://schemas.microsoft.com/office/drawing/2014/main" id="{62F71B9F-3779-480F-B756-7783E89054C9}"/>
+                  </a:ext>
+                </a:extLst>
+              </p:cNvPr>
+              <p:cNvSpPr txBox="1">
+                <a:spLocks noRot="1" noChangeAspect="1" noMove="1" noResize="1" noEditPoints="1" noAdjustHandles="1" noChangeArrowheads="1" noChangeShapeType="1" noTextEdit="1"/>
+              </p:cNvSpPr>
+              <p:nvPr/>
+            </p:nvSpPr>
+            <p:spPr>
+              <a:xfrm>
+                <a:off x="680543" y="34196"/>
+                <a:ext cx="5289781" cy="1211294"/>
+              </a:xfrm>
+              <a:prstGeom prst="rect">
+                <a:avLst/>
+              </a:prstGeom>
+              <a:blipFill>
+                <a:blip r:embed="rId6"/>
+                <a:stretch>
+                  <a:fillRect/>
+                </a:stretch>
+              </a:blipFill>
+            </p:spPr>
+            <p:txBody>
+              <a:bodyPr/>
+              <a:lstStyle/>
+              <a:p>
+                <a:r>
+                  <a:rPr lang="ja-JP" altLang="en-US">
+                    <a:noFill/>
+                  </a:rPr>
+                  <a:t> </a:t>
+                </a:r>
+              </a:p>
+            </p:txBody>
+          </p:sp>
+        </mc:Fallback>
+      </mc:AlternateContent>
+      <p:cxnSp>
+        <p:nvCxnSpPr>
+          <p:cNvPr id="29" name="直線矢印コネクタ 28">
+            <a:extLst>
+              <a:ext uri="{FF2B5EF4-FFF2-40B4-BE49-F238E27FC236}">
+                <a16:creationId xmlns:a16="http://schemas.microsoft.com/office/drawing/2014/main" id="{F485E0B5-A41F-4958-A17D-3684DFC9B797}"/>
+              </a:ext>
+            </a:extLst>
+          </p:cNvPr>
+          <p:cNvCxnSpPr>
+            <a:cxnSpLocks/>
+          </p:cNvCxnSpPr>
+          <p:nvPr/>
+        </p:nvCxnSpPr>
+        <p:spPr>
+          <a:xfrm rot="16200000" flipV="1">
+            <a:off x="3582306" y="2056900"/>
+            <a:ext cx="0" cy="1630448"/>
+          </a:xfrm>
+          <a:prstGeom prst="straightConnector1">
+            <a:avLst/>
+          </a:prstGeom>
+          <a:ln w="76200">
+            <a:solidFill>
+              <a:schemeClr val="accent1"/>
+            </a:solidFill>
+            <a:tailEnd type="triangle"/>
+          </a:ln>
+        </p:spPr>
+        <p:style>
+          <a:lnRef idx="1">
+            <a:schemeClr val="accent1"/>
+          </a:lnRef>
+          <a:fillRef idx="0">
+            <a:schemeClr val="accent1"/>
+          </a:fillRef>
+          <a:effectRef idx="0">
+            <a:schemeClr val="accent1"/>
+          </a:effectRef>
+          <a:fontRef idx="minor">
+            <a:schemeClr val="tx1"/>
+          </a:fontRef>
+        </p:style>
+      </p:cxnSp>
+      <mc:AlternateContent xmlns:mc="http://schemas.openxmlformats.org/markup-compatibility/2006" xmlns:a14="http://schemas.microsoft.com/office/drawing/2010/main">
+        <mc:Choice Requires="a14">
+          <p:sp>
+            <p:nvSpPr>
+              <p:cNvPr id="30" name="テキスト ボックス 29">
+                <a:extLst>
+                  <a:ext uri="{FF2B5EF4-FFF2-40B4-BE49-F238E27FC236}">
+                    <a16:creationId xmlns:a16="http://schemas.microsoft.com/office/drawing/2014/main" id="{CD894A7A-33E6-474B-B63D-C2E39EA89D05}"/>
+                  </a:ext>
+                </a:extLst>
+              </p:cNvPr>
+              <p:cNvSpPr txBox="1"/>
+              <p:nvPr/>
+            </p:nvSpPr>
+            <p:spPr>
+              <a:xfrm>
+                <a:off x="47516" y="2207775"/>
+                <a:ext cx="3110403" cy="496226"/>
+              </a:xfrm>
+              <a:prstGeom prst="rect">
+                <a:avLst/>
+              </a:prstGeom>
+              <a:noFill/>
+            </p:spPr>
+            <p:txBody>
+              <a:bodyPr wrap="none" lIns="0" tIns="0" rIns="0" bIns="0" rtlCol="0">
+                <a:spAutoFit/>
+              </a:bodyPr>
+              <a:lstStyle/>
+              <a:p>
+                <a:pPr/>
+                <a14:m>
+                  <m:oMathPara xmlns:m="http://schemas.openxmlformats.org/officeDocument/2006/math">
+                    <m:oMathParaPr>
+                      <m:jc m:val="centerGroup"/>
+                    </m:oMathParaPr>
+                    <m:oMath xmlns:m="http://schemas.openxmlformats.org/officeDocument/2006/math">
+                      <m:sSub>
+                        <m:sSubPr>
+                          <m:ctrlPr>
+                            <a:rPr kumimoji="1" lang="en-US" altLang="ja-JP" sz="2800" i="1" smtClean="0">
+                              <a:latin typeface="Cambria Math" panose="02040503050406030204" pitchFamily="18" charset="0"/>
+                            </a:rPr>
+                          </m:ctrlPr>
+                        </m:sSubPr>
+                        <m:e>
+                          <m:r>
+                            <a:rPr kumimoji="1" lang="en-US" altLang="ja-JP" sz="2800" i="1">
+                              <a:latin typeface="Cambria Math" panose="02040503050406030204" pitchFamily="18" charset="0"/>
+                            </a:rPr>
+                            <m:t>𝑈</m:t>
+                          </m:r>
+                        </m:e>
+                        <m:sub>
+                          <m:r>
+                            <a:rPr kumimoji="1" lang="en-US" altLang="ja-JP" sz="2800" b="0" i="1" smtClean="0">
+                              <a:latin typeface="Cambria Math" panose="02040503050406030204" pitchFamily="18" charset="0"/>
+                            </a:rPr>
+                            <m:t>𝑏𝑤</m:t>
+                          </m:r>
+                        </m:sub>
+                      </m:sSub>
+                      <m:sSub>
+                        <m:sSubPr>
+                          <m:ctrlPr>
+                            <a:rPr kumimoji="1" lang="en-US" altLang="ja-JP" sz="2800" i="1">
+                              <a:latin typeface="Cambria Math" panose="02040503050406030204" pitchFamily="18" charset="0"/>
+                            </a:rPr>
+                          </m:ctrlPr>
+                        </m:sSubPr>
+                        <m:e>
+                          <m:r>
+                            <a:rPr kumimoji="1" lang="en-US" altLang="ja-JP" sz="2800" i="1">
+                              <a:latin typeface="Cambria Math" panose="02040503050406030204" pitchFamily="18" charset="0"/>
+                            </a:rPr>
+                            <m:t>𝐴</m:t>
+                          </m:r>
+                        </m:e>
+                        <m:sub>
+                          <m:r>
+                            <a:rPr kumimoji="1" lang="en-US" altLang="ja-JP" sz="2800" b="0" i="1" smtClean="0">
+                              <a:latin typeface="Cambria Math" panose="02040503050406030204" pitchFamily="18" charset="0"/>
+                            </a:rPr>
+                            <m:t>𝑏𝑤</m:t>
+                          </m:r>
+                        </m:sub>
+                      </m:sSub>
+                      <m:d>
+                        <m:dPr>
+                          <m:ctrlPr>
+                            <a:rPr kumimoji="1" lang="en-US" altLang="ja-JP" sz="2800" i="1">
+                              <a:latin typeface="Cambria Math" panose="02040503050406030204" pitchFamily="18" charset="0"/>
+                            </a:rPr>
+                          </m:ctrlPr>
+                        </m:dPr>
+                        <m:e>
+                          <m:sSub>
+                            <m:sSubPr>
+                              <m:ctrlPr>
+                                <a:rPr kumimoji="1" lang="en-US" altLang="ja-JP" sz="2800" i="1">
+                                  <a:latin typeface="Cambria Math" panose="02040503050406030204" pitchFamily="18" charset="0"/>
+                                </a:rPr>
+                              </m:ctrlPr>
+                            </m:sSubPr>
+                            <m:e>
+                              <m:r>
+                                <a:rPr kumimoji="1" lang="en-US" altLang="ja-JP" sz="2800" i="1">
+                                  <a:latin typeface="Cambria Math" panose="02040503050406030204" pitchFamily="18" charset="0"/>
+                                </a:rPr>
+                                <m:t>𝜃</m:t>
+                              </m:r>
+                            </m:e>
+                            <m:sub>
+                              <m:r>
+                                <a:rPr kumimoji="1" lang="en-US" altLang="ja-JP" sz="2800" i="1">
+                                  <a:latin typeface="Cambria Math" panose="02040503050406030204" pitchFamily="18" charset="0"/>
+                                </a:rPr>
+                                <m:t>𝑢𝑓</m:t>
+                              </m:r>
+                            </m:sub>
+                          </m:sSub>
+                          <m:r>
+                            <a:rPr kumimoji="1" lang="en-US" altLang="ja-JP" sz="2800" i="1">
+                              <a:latin typeface="Cambria Math" panose="02040503050406030204" pitchFamily="18" charset="0"/>
+                            </a:rPr>
+                            <m:t>−</m:t>
+                          </m:r>
+                          <m:sSub>
+                            <m:sSubPr>
+                              <m:ctrlPr>
+                                <a:rPr kumimoji="1" lang="en-US" altLang="ja-JP" sz="2800" i="1">
+                                  <a:latin typeface="Cambria Math" panose="02040503050406030204" pitchFamily="18" charset="0"/>
+                                </a:rPr>
+                              </m:ctrlPr>
+                            </m:sSubPr>
+                            <m:e>
+                              <m:r>
+                                <a:rPr kumimoji="1" lang="en-US" altLang="ja-JP" sz="2800" i="1">
+                                  <a:latin typeface="Cambria Math" panose="02040503050406030204" pitchFamily="18" charset="0"/>
+                                </a:rPr>
+                                <m:t>𝜃</m:t>
+                              </m:r>
+                            </m:e>
+                            <m:sub>
+                              <m:r>
+                                <a:rPr kumimoji="1" lang="en-US" altLang="ja-JP" sz="2800" b="0" i="1" smtClean="0">
+                                  <a:latin typeface="Cambria Math" panose="02040503050406030204" pitchFamily="18" charset="0"/>
+                                </a:rPr>
+                                <m:t>𝑒𝑥</m:t>
+                              </m:r>
+                            </m:sub>
+                          </m:sSub>
+                        </m:e>
+                      </m:d>
+                    </m:oMath>
+                  </m:oMathPara>
+                </a14:m>
+                <a:endParaRPr kumimoji="1" lang="ja-JP" altLang="en-US" sz="2800" dirty="0"/>
+              </a:p>
+            </p:txBody>
+          </p:sp>
+        </mc:Choice>
+        <mc:Fallback xmlns="">
+          <p:sp>
+            <p:nvSpPr>
+              <p:cNvPr id="30" name="テキスト ボックス 29">
+                <a:extLst>
+                  <a:ext uri="{FF2B5EF4-FFF2-40B4-BE49-F238E27FC236}">
+                    <a16:creationId xmlns:a16="http://schemas.microsoft.com/office/drawing/2014/main" id="{CD894A7A-33E6-474B-B63D-C2E39EA89D05}"/>
+                  </a:ext>
+                </a:extLst>
+              </p:cNvPr>
+              <p:cNvSpPr txBox="1">
+                <a:spLocks noRot="1" noChangeAspect="1" noMove="1" noResize="1" noEditPoints="1" noAdjustHandles="1" noChangeArrowheads="1" noChangeShapeType="1" noTextEdit="1"/>
+              </p:cNvSpPr>
+              <p:nvPr/>
+            </p:nvSpPr>
+            <p:spPr>
+              <a:xfrm>
+                <a:off x="47516" y="2207775"/>
+                <a:ext cx="3110403" cy="496226"/>
+              </a:xfrm>
+              <a:prstGeom prst="rect">
+                <a:avLst/>
+              </a:prstGeom>
+              <a:blipFill>
+                <a:blip r:embed="rId7"/>
+                <a:stretch>
+                  <a:fillRect/>
+                </a:stretch>
+              </a:blipFill>
+            </p:spPr>
+            <p:txBody>
+              <a:bodyPr/>
+              <a:lstStyle/>
+              <a:p>
+                <a:r>
+                  <a:rPr lang="ja-JP" altLang="en-US">
+                    <a:noFill/>
+                  </a:rPr>
+                  <a:t> </a:t>
+                </a:r>
+              </a:p>
+            </p:txBody>
+          </p:sp>
+        </mc:Fallback>
+      </mc:AlternateContent>
+      <p:cxnSp>
+        <p:nvCxnSpPr>
+          <p:cNvPr id="31" name="直線矢印コネクタ 30">
+            <a:extLst>
+              <a:ext uri="{FF2B5EF4-FFF2-40B4-BE49-F238E27FC236}">
+                <a16:creationId xmlns:a16="http://schemas.microsoft.com/office/drawing/2014/main" id="{1102DB69-9B54-4EF6-BAE1-68A0AB3080FA}"/>
+              </a:ext>
+            </a:extLst>
+          </p:cNvPr>
+          <p:cNvCxnSpPr>
+            <a:cxnSpLocks/>
+          </p:cNvCxnSpPr>
+          <p:nvPr/>
+        </p:nvCxnSpPr>
+        <p:spPr>
+          <a:xfrm rot="16200000" flipV="1">
+            <a:off x="3582306" y="2530694"/>
+            <a:ext cx="0" cy="1630448"/>
+          </a:xfrm>
+          <a:prstGeom prst="straightConnector1">
+            <a:avLst/>
+          </a:prstGeom>
+          <a:ln w="76200">
+            <a:solidFill>
+              <a:schemeClr val="accent1"/>
+            </a:solidFill>
+            <a:prstDash val="sysDash"/>
+            <a:tailEnd type="triangle"/>
+          </a:ln>
+        </p:spPr>
+        <p:style>
+          <a:lnRef idx="1">
+            <a:schemeClr val="accent1"/>
+          </a:lnRef>
+          <a:fillRef idx="0">
+            <a:schemeClr val="accent1"/>
+          </a:fillRef>
+          <a:effectRef idx="0">
+            <a:schemeClr val="accent1"/>
+          </a:effectRef>
+          <a:fontRef idx="minor">
+            <a:schemeClr val="tx1"/>
+          </a:fontRef>
+        </p:style>
+      </p:cxnSp>
+      <mc:AlternateContent xmlns:mc="http://schemas.openxmlformats.org/markup-compatibility/2006" xmlns:a14="http://schemas.microsoft.com/office/drawing/2010/main">
+        <mc:Choice Requires="a14">
+          <p:sp>
+            <p:nvSpPr>
+              <p:cNvPr id="32" name="テキスト ボックス 31">
+                <a:extLst>
+                  <a:ext uri="{FF2B5EF4-FFF2-40B4-BE49-F238E27FC236}">
+                    <a16:creationId xmlns:a16="http://schemas.microsoft.com/office/drawing/2014/main" id="{03643A11-0D23-4AAD-AB6A-0C7762C3F445}"/>
+                  </a:ext>
+                </a:extLst>
+              </p:cNvPr>
+              <p:cNvSpPr txBox="1"/>
+              <p:nvPr/>
+            </p:nvSpPr>
+            <p:spPr>
+              <a:xfrm>
+                <a:off x="488727" y="3539740"/>
+                <a:ext cx="2669192" cy="496226"/>
+              </a:xfrm>
+              <a:prstGeom prst="rect">
+                <a:avLst/>
+              </a:prstGeom>
+              <a:noFill/>
+            </p:spPr>
+            <p:txBody>
+              <a:bodyPr wrap="none" lIns="0" tIns="0" rIns="0" bIns="0" rtlCol="0">
+                <a:spAutoFit/>
+              </a:bodyPr>
+              <a:lstStyle/>
+              <a:p>
+                <a:pPr/>
+                <a14:m>
+                  <m:oMathPara xmlns:m="http://schemas.openxmlformats.org/officeDocument/2006/math">
+                    <m:oMathParaPr>
+                      <m:jc m:val="centerGroup"/>
+                    </m:oMathParaPr>
+                    <m:oMath xmlns:m="http://schemas.openxmlformats.org/officeDocument/2006/math">
+                      <m:r>
+                        <a:rPr kumimoji="1" lang="en-US" altLang="ja-JP" sz="2800" b="0" i="1" smtClean="0">
+                          <a:latin typeface="Cambria Math" panose="02040503050406030204" pitchFamily="18" charset="0"/>
+                        </a:rPr>
+                        <m:t>𝜓</m:t>
+                      </m:r>
+                      <m:sSub>
+                        <m:sSubPr>
+                          <m:ctrlPr>
+                            <a:rPr kumimoji="1" lang="en-US" altLang="ja-JP" sz="2800" i="1">
+                              <a:latin typeface="Cambria Math" panose="02040503050406030204" pitchFamily="18" charset="0"/>
+                            </a:rPr>
+                          </m:ctrlPr>
+                        </m:sSubPr>
+                        <m:e>
+                          <m:r>
+                            <a:rPr kumimoji="1" lang="en-US" altLang="ja-JP" sz="2800" b="0" i="1" smtClean="0">
+                              <a:latin typeface="Cambria Math" panose="02040503050406030204" pitchFamily="18" charset="0"/>
+                            </a:rPr>
+                            <m:t>𝐿</m:t>
+                          </m:r>
+                        </m:e>
+                        <m:sub>
+                          <m:r>
+                            <a:rPr kumimoji="1" lang="en-US" altLang="ja-JP" sz="2800" b="0" i="1" smtClean="0">
+                              <a:latin typeface="Cambria Math" panose="02040503050406030204" pitchFamily="18" charset="0"/>
+                            </a:rPr>
+                            <m:t>𝑢𝑓</m:t>
+                          </m:r>
+                        </m:sub>
+                      </m:sSub>
+                      <m:d>
+                        <m:dPr>
+                          <m:ctrlPr>
+                            <a:rPr kumimoji="1" lang="en-US" altLang="ja-JP" sz="2800" i="1">
+                              <a:latin typeface="Cambria Math" panose="02040503050406030204" pitchFamily="18" charset="0"/>
+                            </a:rPr>
+                          </m:ctrlPr>
+                        </m:dPr>
+                        <m:e>
+                          <m:sSub>
+                            <m:sSubPr>
+                              <m:ctrlPr>
+                                <a:rPr kumimoji="1" lang="en-US" altLang="ja-JP" sz="2800" i="1">
+                                  <a:latin typeface="Cambria Math" panose="02040503050406030204" pitchFamily="18" charset="0"/>
+                                </a:rPr>
+                              </m:ctrlPr>
+                            </m:sSubPr>
+                            <m:e>
+                              <m:r>
+                                <a:rPr kumimoji="1" lang="en-US" altLang="ja-JP" sz="2800" i="1">
+                                  <a:latin typeface="Cambria Math" panose="02040503050406030204" pitchFamily="18" charset="0"/>
+                                </a:rPr>
+                                <m:t>𝜃</m:t>
+                              </m:r>
+                            </m:e>
+                            <m:sub>
+                              <m:r>
+                                <a:rPr kumimoji="1" lang="en-US" altLang="ja-JP" sz="2800" i="1">
+                                  <a:latin typeface="Cambria Math" panose="02040503050406030204" pitchFamily="18" charset="0"/>
+                                </a:rPr>
+                                <m:t>𝑢𝑓</m:t>
+                              </m:r>
+                            </m:sub>
+                          </m:sSub>
+                          <m:r>
+                            <a:rPr kumimoji="1" lang="en-US" altLang="ja-JP" sz="2800" i="1">
+                              <a:latin typeface="Cambria Math" panose="02040503050406030204" pitchFamily="18" charset="0"/>
+                            </a:rPr>
+                            <m:t>−</m:t>
+                          </m:r>
+                          <m:sSub>
+                            <m:sSubPr>
+                              <m:ctrlPr>
+                                <a:rPr kumimoji="1" lang="en-US" altLang="ja-JP" sz="2800" i="1">
+                                  <a:latin typeface="Cambria Math" panose="02040503050406030204" pitchFamily="18" charset="0"/>
+                                </a:rPr>
+                              </m:ctrlPr>
+                            </m:sSubPr>
+                            <m:e>
+                              <m:r>
+                                <a:rPr kumimoji="1" lang="en-US" altLang="ja-JP" sz="2800" i="1">
+                                  <a:latin typeface="Cambria Math" panose="02040503050406030204" pitchFamily="18" charset="0"/>
+                                </a:rPr>
+                                <m:t>𝜃</m:t>
+                              </m:r>
+                            </m:e>
+                            <m:sub>
+                              <m:r>
+                                <a:rPr kumimoji="1" lang="en-US" altLang="ja-JP" sz="2800" b="0" i="1" smtClean="0">
+                                  <a:latin typeface="Cambria Math" panose="02040503050406030204" pitchFamily="18" charset="0"/>
+                                </a:rPr>
+                                <m:t>𝑒𝑥</m:t>
+                              </m:r>
+                            </m:sub>
+                          </m:sSub>
+                        </m:e>
+                      </m:d>
+                    </m:oMath>
+                  </m:oMathPara>
+                </a14:m>
+                <a:endParaRPr kumimoji="1" lang="ja-JP" altLang="en-US" sz="2800" dirty="0"/>
+              </a:p>
+            </p:txBody>
+          </p:sp>
+        </mc:Choice>
+        <mc:Fallback xmlns="">
+          <p:sp>
+            <p:nvSpPr>
+              <p:cNvPr id="32" name="テキスト ボックス 31">
+                <a:extLst>
+                  <a:ext uri="{FF2B5EF4-FFF2-40B4-BE49-F238E27FC236}">
+                    <a16:creationId xmlns:a16="http://schemas.microsoft.com/office/drawing/2014/main" id="{03643A11-0D23-4AAD-AB6A-0C7762C3F445}"/>
+                  </a:ext>
+                </a:extLst>
+              </p:cNvPr>
+              <p:cNvSpPr txBox="1">
+                <a:spLocks noRot="1" noChangeAspect="1" noMove="1" noResize="1" noEditPoints="1" noAdjustHandles="1" noChangeArrowheads="1" noChangeShapeType="1" noTextEdit="1"/>
+              </p:cNvSpPr>
+              <p:nvPr/>
+            </p:nvSpPr>
+            <p:spPr>
+              <a:xfrm>
+                <a:off x="488727" y="3539740"/>
+                <a:ext cx="2669192" cy="496226"/>
+              </a:xfrm>
+              <a:prstGeom prst="rect">
+                <a:avLst/>
+              </a:prstGeom>
+              <a:blipFill>
+                <a:blip r:embed="rId8"/>
+                <a:stretch>
+                  <a:fillRect/>
+                </a:stretch>
+              </a:blipFill>
+            </p:spPr>
+            <p:txBody>
+              <a:bodyPr/>
+              <a:lstStyle/>
+              <a:p>
+                <a:r>
+                  <a:rPr lang="ja-JP" altLang="en-US">
+                    <a:noFill/>
+                  </a:rPr>
+                  <a:t> </a:t>
+                </a:r>
+              </a:p>
+            </p:txBody>
+          </p:sp>
+        </mc:Fallback>
+      </mc:AlternateContent>
+      <p:cxnSp>
+        <p:nvCxnSpPr>
+          <p:cNvPr id="33" name="直線矢印コネクタ 32">
+            <a:extLst>
+              <a:ext uri="{FF2B5EF4-FFF2-40B4-BE49-F238E27FC236}">
+                <a16:creationId xmlns:a16="http://schemas.microsoft.com/office/drawing/2014/main" id="{22406ED9-02AA-4BF5-9C8B-BDE25AF91E59}"/>
+              </a:ext>
+            </a:extLst>
+          </p:cNvPr>
+          <p:cNvCxnSpPr>
+            <a:cxnSpLocks/>
+          </p:cNvCxnSpPr>
+          <p:nvPr/>
+        </p:nvCxnSpPr>
+        <p:spPr>
+          <a:xfrm flipV="1">
+            <a:off x="7513973" y="4209917"/>
+            <a:ext cx="0" cy="1630448"/>
+          </a:xfrm>
+          <a:prstGeom prst="straightConnector1">
+            <a:avLst/>
+          </a:prstGeom>
+          <a:ln w="76200">
+            <a:solidFill>
+              <a:schemeClr val="accent2"/>
+            </a:solidFill>
+            <a:tailEnd type="triangle"/>
+          </a:ln>
+        </p:spPr>
+        <p:style>
+          <a:lnRef idx="1">
+            <a:schemeClr val="accent1"/>
+          </a:lnRef>
+          <a:fillRef idx="0">
+            <a:schemeClr val="accent1"/>
+          </a:fillRef>
+          <a:effectRef idx="0">
+            <a:schemeClr val="accent1"/>
+          </a:effectRef>
+          <a:fontRef idx="minor">
+            <a:schemeClr val="tx1"/>
+          </a:fontRef>
+        </p:style>
+      </p:cxnSp>
+      <p:sp>
+        <p:nvSpPr>
+          <p:cNvPr id="36" name="テキスト ボックス 35">
+            <a:extLst>
+              <a:ext uri="{FF2B5EF4-FFF2-40B4-BE49-F238E27FC236}">
+                <a16:creationId xmlns:a16="http://schemas.microsoft.com/office/drawing/2014/main" id="{91E59C58-8BDC-4181-8071-7440BB425ADE}"/>
+              </a:ext>
+            </a:extLst>
+          </p:cNvPr>
+          <p:cNvSpPr txBox="1"/>
+          <p:nvPr/>
+        </p:nvSpPr>
+        <p:spPr>
+          <a:xfrm>
+            <a:off x="8240959" y="4319252"/>
+            <a:ext cx="877163" cy="369332"/>
+          </a:xfrm>
+          <a:prstGeom prst="rect">
+            <a:avLst/>
+          </a:prstGeom>
+          <a:noFill/>
+        </p:spPr>
+        <p:txBody>
+          <a:bodyPr wrap="none" rtlCol="0">
+            <a:spAutoFit/>
+          </a:bodyPr>
+          <a:lstStyle/>
+          <a:p>
+            <a:r>
+              <a:rPr kumimoji="1" lang="ja-JP" altLang="en-US" dirty="0"/>
+              <a:t>土間床</a:t>
+            </a:r>
+          </a:p>
+        </p:txBody>
+      </p:sp>
+      <p:sp>
+        <p:nvSpPr>
+          <p:cNvPr id="37" name="テキスト ボックス 36">
+            <a:extLst>
+              <a:ext uri="{FF2B5EF4-FFF2-40B4-BE49-F238E27FC236}">
+                <a16:creationId xmlns:a16="http://schemas.microsoft.com/office/drawing/2014/main" id="{4D016B43-409E-490B-ADF6-515B8750D43F}"/>
+              </a:ext>
+            </a:extLst>
+          </p:cNvPr>
+          <p:cNvSpPr txBox="1"/>
+          <p:nvPr/>
+        </p:nvSpPr>
+        <p:spPr>
+          <a:xfrm>
+            <a:off x="6531665" y="1080752"/>
+            <a:ext cx="646331" cy="369332"/>
+          </a:xfrm>
+          <a:prstGeom prst="rect">
+            <a:avLst/>
+          </a:prstGeom>
+          <a:noFill/>
+        </p:spPr>
+        <p:txBody>
+          <a:bodyPr wrap="none" rtlCol="0">
+            <a:spAutoFit/>
+          </a:bodyPr>
+          <a:lstStyle/>
+          <a:p>
+            <a:r>
+              <a:rPr kumimoji="1" lang="ja-JP" altLang="en-US" dirty="0"/>
+              <a:t>居室</a:t>
+            </a:r>
+          </a:p>
+        </p:txBody>
+      </p:sp>
+      <p:sp>
+        <p:nvSpPr>
+          <p:cNvPr id="38" name="テキスト ボックス 37">
+            <a:extLst>
+              <a:ext uri="{FF2B5EF4-FFF2-40B4-BE49-F238E27FC236}">
+                <a16:creationId xmlns:a16="http://schemas.microsoft.com/office/drawing/2014/main" id="{03F497FE-F620-4319-85EC-D483234E22D4}"/>
+              </a:ext>
+            </a:extLst>
+          </p:cNvPr>
+          <p:cNvSpPr txBox="1"/>
+          <p:nvPr/>
+        </p:nvSpPr>
+        <p:spPr>
+          <a:xfrm>
+            <a:off x="6540291" y="1864318"/>
+            <a:ext cx="646331" cy="369332"/>
+          </a:xfrm>
+          <a:prstGeom prst="rect">
+            <a:avLst/>
+          </a:prstGeom>
+          <a:noFill/>
+        </p:spPr>
+        <p:txBody>
+          <a:bodyPr wrap="none" rtlCol="0">
+            <a:spAutoFit/>
+          </a:bodyPr>
+          <a:lstStyle/>
+          <a:p>
+            <a:r>
+              <a:rPr kumimoji="1" lang="ja-JP" altLang="en-US" dirty="0"/>
+              <a:t>床下</a:t>
+            </a:r>
+          </a:p>
+        </p:txBody>
+      </p:sp>
+      <p:sp>
+        <p:nvSpPr>
+          <p:cNvPr id="39" name="テキスト ボックス 38">
+            <a:extLst>
+              <a:ext uri="{FF2B5EF4-FFF2-40B4-BE49-F238E27FC236}">
+                <a16:creationId xmlns:a16="http://schemas.microsoft.com/office/drawing/2014/main" id="{A8D927D0-CF41-4FBC-92AE-A44E584B007E}"/>
+              </a:ext>
+            </a:extLst>
+          </p:cNvPr>
+          <p:cNvSpPr txBox="1"/>
+          <p:nvPr/>
+        </p:nvSpPr>
+        <p:spPr>
+          <a:xfrm>
+            <a:off x="4119121" y="2386008"/>
+            <a:ext cx="1149102" cy="369332"/>
+          </a:xfrm>
+          <a:prstGeom prst="rect">
+            <a:avLst/>
+          </a:prstGeom>
+          <a:noFill/>
+        </p:spPr>
+        <p:txBody>
+          <a:bodyPr wrap="square" rtlCol="0">
+            <a:spAutoFit/>
+          </a:bodyPr>
+          <a:lstStyle/>
+          <a:p>
+            <a:r>
+              <a:rPr kumimoji="1" lang="ja-JP" altLang="en-US" dirty="0"/>
+              <a:t>基礎外壁</a:t>
+            </a:r>
+          </a:p>
+        </p:txBody>
+      </p:sp>
+      <p:cxnSp>
+        <p:nvCxnSpPr>
+          <p:cNvPr id="41" name="直線コネクタ 40">
+            <a:extLst>
+              <a:ext uri="{FF2B5EF4-FFF2-40B4-BE49-F238E27FC236}">
+                <a16:creationId xmlns:a16="http://schemas.microsoft.com/office/drawing/2014/main" id="{5BDB1B22-1D94-4693-B8BE-940856BD8B9E}"/>
+              </a:ext>
+            </a:extLst>
+          </p:cNvPr>
+          <p:cNvCxnSpPr>
+            <a:cxnSpLocks/>
+          </p:cNvCxnSpPr>
+          <p:nvPr/>
+        </p:nvCxnSpPr>
+        <p:spPr>
+          <a:xfrm>
+            <a:off x="3751115" y="2556947"/>
+            <a:ext cx="407913" cy="0"/>
+          </a:xfrm>
+          <a:prstGeom prst="line">
+            <a:avLst/>
+          </a:prstGeom>
+          <a:ln w="19050">
+            <a:solidFill>
+              <a:schemeClr val="tx1">
+                <a:lumMod val="50000"/>
+                <a:lumOff val="50000"/>
+              </a:schemeClr>
+            </a:solidFill>
+          </a:ln>
+        </p:spPr>
+        <p:style>
+          <a:lnRef idx="1">
+            <a:schemeClr val="accent1"/>
+          </a:lnRef>
+          <a:fillRef idx="0">
+            <a:schemeClr val="accent1"/>
+          </a:fillRef>
+          <a:effectRef idx="0">
+            <a:schemeClr val="accent1"/>
+          </a:effectRef>
+          <a:fontRef idx="minor">
+            <a:schemeClr val="tx1"/>
+          </a:fontRef>
+        </p:style>
+      </p:cxnSp>
+      <p:sp>
+        <p:nvSpPr>
+          <p:cNvPr id="48" name="正方形/長方形 47">
+            <a:extLst>
+              <a:ext uri="{FF2B5EF4-FFF2-40B4-BE49-F238E27FC236}">
+                <a16:creationId xmlns:a16="http://schemas.microsoft.com/office/drawing/2014/main" id="{00BBEA54-9AB6-4925-9743-20208B1C1811}"/>
+              </a:ext>
+            </a:extLst>
+          </p:cNvPr>
+          <p:cNvSpPr/>
+          <p:nvPr/>
+        </p:nvSpPr>
+        <p:spPr>
+          <a:xfrm>
+            <a:off x="4036884" y="3945624"/>
+            <a:ext cx="996351" cy="528587"/>
+          </a:xfrm>
+          <a:prstGeom prst="rect">
+            <a:avLst/>
+          </a:prstGeom>
+          <a:solidFill>
+            <a:schemeClr val="tx1"/>
+          </a:solidFill>
+          <a:ln>
+            <a:solidFill>
+              <a:schemeClr val="tx1"/>
+            </a:solidFill>
+          </a:ln>
+        </p:spPr>
+        <p:style>
+          <a:lnRef idx="2">
+            <a:schemeClr val="accent1">
+              <a:shade val="50000"/>
+            </a:schemeClr>
+          </a:lnRef>
+          <a:fillRef idx="1">
+            <a:schemeClr val="accent1"/>
+          </a:fillRef>
+          <a:effectRef idx="0">
+            <a:schemeClr val="accent1"/>
+          </a:effectRef>
+          <a:fontRef idx="minor">
+            <a:schemeClr val="lt1"/>
+          </a:fontRef>
+        </p:style>
+        <p:txBody>
+          <a:bodyPr rtlCol="0" anchor="ctr"/>
+          <a:lstStyle/>
+          <a:p>
+            <a:pPr algn="ctr"/>
+            <a:endParaRPr kumimoji="1" lang="ja-JP" altLang="en-US"/>
+          </a:p>
+        </p:txBody>
+      </p:sp>
+      <p:sp>
+        <p:nvSpPr>
+          <p:cNvPr id="49" name="テキスト ボックス 48">
+            <a:extLst>
+              <a:ext uri="{FF2B5EF4-FFF2-40B4-BE49-F238E27FC236}">
+                <a16:creationId xmlns:a16="http://schemas.microsoft.com/office/drawing/2014/main" id="{3C3C36AE-B40B-4F9A-90A3-0E713961D9B3}"/>
+              </a:ext>
+            </a:extLst>
+          </p:cNvPr>
+          <p:cNvSpPr txBox="1"/>
+          <p:nvPr/>
+        </p:nvSpPr>
+        <p:spPr>
+          <a:xfrm>
+            <a:off x="5168981" y="3852426"/>
+            <a:ext cx="2031325" cy="646331"/>
+          </a:xfrm>
+          <a:prstGeom prst="rect">
+            <a:avLst/>
+          </a:prstGeom>
+          <a:noFill/>
+        </p:spPr>
+        <p:txBody>
+          <a:bodyPr wrap="none" rtlCol="0">
+            <a:spAutoFit/>
+          </a:bodyPr>
+          <a:lstStyle/>
+          <a:p>
+            <a:r>
+              <a:rPr kumimoji="1" lang="ja-JP" altLang="en-US" dirty="0"/>
+              <a:t>蓄熱部位</a:t>
+            </a:r>
+            <a:endParaRPr kumimoji="1" lang="en-US" altLang="ja-JP" dirty="0"/>
+          </a:p>
+          <a:p>
+            <a:r>
+              <a:rPr kumimoji="1" lang="ja-JP" altLang="en-US" dirty="0"/>
+              <a:t>（土間床を除く）</a:t>
+            </a:r>
+          </a:p>
+        </p:txBody>
+      </p:sp>
+      <p:cxnSp>
+        <p:nvCxnSpPr>
+          <p:cNvPr id="50" name="直線コネクタ 49">
+            <a:extLst>
+              <a:ext uri="{FF2B5EF4-FFF2-40B4-BE49-F238E27FC236}">
+                <a16:creationId xmlns:a16="http://schemas.microsoft.com/office/drawing/2014/main" id="{B1AC724B-2AB7-4392-9CFD-E4D51A1ECC16}"/>
+              </a:ext>
+            </a:extLst>
+          </p:cNvPr>
+          <p:cNvCxnSpPr>
+            <a:cxnSpLocks/>
+            <a:endCxn id="49" idx="1"/>
+          </p:cNvCxnSpPr>
+          <p:nvPr/>
+        </p:nvCxnSpPr>
+        <p:spPr>
+          <a:xfrm flipV="1">
+            <a:off x="4962711" y="4175592"/>
+            <a:ext cx="206270" cy="78324"/>
+          </a:xfrm>
+          <a:prstGeom prst="line">
+            <a:avLst/>
+          </a:prstGeom>
+          <a:ln w="19050">
+            <a:solidFill>
+              <a:schemeClr val="tx1">
+                <a:lumMod val="50000"/>
+                <a:lumOff val="50000"/>
+              </a:schemeClr>
+            </a:solidFill>
+          </a:ln>
+        </p:spPr>
+        <p:style>
+          <a:lnRef idx="1">
+            <a:schemeClr val="accent1"/>
+          </a:lnRef>
+          <a:fillRef idx="0">
+            <a:schemeClr val="accent1"/>
+          </a:fillRef>
+          <a:effectRef idx="0">
+            <a:schemeClr val="accent1"/>
+          </a:effectRef>
+          <a:fontRef idx="minor">
+            <a:schemeClr val="tx1"/>
+          </a:fontRef>
+        </p:style>
+      </p:cxnSp>
+      <p:sp>
+        <p:nvSpPr>
+          <p:cNvPr id="52" name="テキスト ボックス 51">
+            <a:extLst>
+              <a:ext uri="{FF2B5EF4-FFF2-40B4-BE49-F238E27FC236}">
+                <a16:creationId xmlns:a16="http://schemas.microsoft.com/office/drawing/2014/main" id="{6F726898-F399-44B7-99F8-1A68EE498DF5}"/>
+              </a:ext>
+            </a:extLst>
+          </p:cNvPr>
+          <p:cNvSpPr txBox="1"/>
+          <p:nvPr/>
+        </p:nvSpPr>
+        <p:spPr>
+          <a:xfrm>
+            <a:off x="7324837" y="475705"/>
+            <a:ext cx="590867" cy="1310936"/>
+          </a:xfrm>
+          <a:prstGeom prst="rect">
+            <a:avLst/>
+          </a:prstGeom>
+          <a:noFill/>
+        </p:spPr>
+        <p:txBody>
+          <a:bodyPr vert="wordArtVertRtl" wrap="none" rtlCol="0">
+            <a:spAutoFit/>
+          </a:bodyPr>
+          <a:lstStyle/>
+          <a:p>
+            <a:r>
+              <a:rPr kumimoji="1" lang="ja-JP" altLang="en-US" dirty="0"/>
+              <a:t>ダクト</a:t>
+            </a:r>
+          </a:p>
+        </p:txBody>
+      </p:sp>
+      <p:sp>
+        <p:nvSpPr>
+          <p:cNvPr id="55" name="フリーフォーム: 図形 54">
+            <a:extLst>
+              <a:ext uri="{FF2B5EF4-FFF2-40B4-BE49-F238E27FC236}">
+                <a16:creationId xmlns:a16="http://schemas.microsoft.com/office/drawing/2014/main" id="{9A2222C0-DFDD-4ADB-93F6-A80578DDB6B0}"/>
+              </a:ext>
+            </a:extLst>
+          </p:cNvPr>
+          <p:cNvSpPr/>
+          <p:nvPr/>
+        </p:nvSpPr>
+        <p:spPr>
+          <a:xfrm>
+            <a:off x="4230979" y="3342410"/>
+            <a:ext cx="1205418" cy="552926"/>
+          </a:xfrm>
+          <a:custGeom>
+            <a:avLst/>
+            <a:gdLst>
+              <a:gd name="connsiteX0" fmla="*/ 0 w 655608"/>
+              <a:gd name="connsiteY0" fmla="*/ 0 h 215721"/>
+              <a:gd name="connsiteX1" fmla="*/ 327804 w 655608"/>
+              <a:gd name="connsiteY1" fmla="*/ 215661 h 215721"/>
+              <a:gd name="connsiteX2" fmla="*/ 655608 w 655608"/>
+              <a:gd name="connsiteY2" fmla="*/ 17253 h 215721"/>
+              <a:gd name="connsiteX0" fmla="*/ 0 w 858306"/>
+              <a:gd name="connsiteY0" fmla="*/ 198468 h 419001"/>
+              <a:gd name="connsiteX1" fmla="*/ 327804 w 858306"/>
+              <a:gd name="connsiteY1" fmla="*/ 414129 h 419001"/>
+              <a:gd name="connsiteX2" fmla="*/ 858306 w 858306"/>
+              <a:gd name="connsiteY2" fmla="*/ 0 h 419001"/>
+            </a:gdLst>
+            <a:ahLst/>
+            <a:cxnLst>
+              <a:cxn ang="0">
+                <a:pos x="connsiteX0" y="connsiteY0"/>
+              </a:cxn>
+              <a:cxn ang="0">
+                <a:pos x="connsiteX1" y="connsiteY1"/>
+              </a:cxn>
+              <a:cxn ang="0">
+                <a:pos x="connsiteX2" y="connsiteY2"/>
+              </a:cxn>
+            </a:cxnLst>
+            <a:rect l="l" t="t" r="r" b="b"/>
+            <a:pathLst>
+              <a:path w="858306" h="419001">
+                <a:moveTo>
+                  <a:pt x="0" y="198468"/>
+                </a:moveTo>
+                <a:cubicBezTo>
+                  <a:pt x="109268" y="304861"/>
+                  <a:pt x="184753" y="447207"/>
+                  <a:pt x="327804" y="414129"/>
+                </a:cubicBezTo>
+                <a:cubicBezTo>
+                  <a:pt x="470855" y="381051"/>
+                  <a:pt x="749038" y="100641"/>
+                  <a:pt x="858306" y="0"/>
+                </a:cubicBezTo>
+              </a:path>
+            </a:pathLst>
+          </a:custGeom>
+          <a:noFill/>
+          <a:ln w="76200">
+            <a:solidFill>
+              <a:schemeClr val="accent2"/>
+            </a:solidFill>
+            <a:tailEnd type="triangle"/>
+          </a:ln>
+        </p:spPr>
+        <p:style>
+          <a:lnRef idx="2">
+            <a:schemeClr val="accent1">
+              <a:shade val="50000"/>
+            </a:schemeClr>
+          </a:lnRef>
+          <a:fillRef idx="1">
+            <a:schemeClr val="accent1"/>
+          </a:fillRef>
+          <a:effectRef idx="0">
+            <a:schemeClr val="accent1"/>
+          </a:effectRef>
+          <a:fontRef idx="minor">
+            <a:schemeClr val="lt1"/>
+          </a:fontRef>
+        </p:style>
+        <p:txBody>
+          <a:bodyPr rtlCol="0" anchor="ctr"/>
+          <a:lstStyle/>
+          <a:p>
+            <a:pPr algn="ctr"/>
+            <a:endParaRPr kumimoji="1" lang="ja-JP" altLang="en-US"/>
+          </a:p>
+        </p:txBody>
+      </p:sp>
+      <mc:AlternateContent xmlns:mc="http://schemas.openxmlformats.org/markup-compatibility/2006">
+        <mc:Choice xmlns:a14="http://schemas.microsoft.com/office/drawing/2010/main" Requires="a14">
+          <p:sp>
+            <p:nvSpPr>
+              <p:cNvPr id="57" name="テキスト ボックス 56">
+                <a:extLst>
+                  <a:ext uri="{FF2B5EF4-FFF2-40B4-BE49-F238E27FC236}">
+                    <a16:creationId xmlns:a16="http://schemas.microsoft.com/office/drawing/2014/main" id="{22160144-410D-4C22-8970-AAF16E46DDC9}"/>
+                  </a:ext>
+                </a:extLst>
+              </p:cNvPr>
+              <p:cNvSpPr txBox="1"/>
+              <p:nvPr/>
+            </p:nvSpPr>
+            <p:spPr>
+              <a:xfrm>
+                <a:off x="298585" y="5353043"/>
+                <a:ext cx="5312288" cy="1438855"/>
+              </a:xfrm>
+              <a:prstGeom prst="rect">
+                <a:avLst/>
+              </a:prstGeom>
+              <a:noFill/>
+            </p:spPr>
+            <p:txBody>
+              <a:bodyPr wrap="none" lIns="0" tIns="0" rIns="0" bIns="0" rtlCol="0">
+                <a:spAutoFit/>
+              </a:bodyPr>
+              <a:lstStyle/>
+              <a:p>
+                <a:pPr/>
+                <a14:m>
+                  <m:oMathPara xmlns:m="http://schemas.openxmlformats.org/officeDocument/2006/math">
+                    <m:oMathParaPr>
+                      <m:jc m:val="centerGroup"/>
+                    </m:oMathParaPr>
+                    <m:oMath xmlns:m="http://schemas.openxmlformats.org/officeDocument/2006/math">
+                      <m:f>
+                        <m:fPr>
+                          <m:ctrlPr>
+                            <a:rPr kumimoji="1" lang="en-US" altLang="ja-JP" sz="2800" i="1" smtClean="0">
+                              <a:latin typeface="Cambria Math" panose="02040503050406030204" pitchFamily="18" charset="0"/>
+                            </a:rPr>
+                          </m:ctrlPr>
+                        </m:fPr>
+                        <m:num>
+                          <m:sSub>
+                            <m:sSubPr>
+                              <m:ctrlPr>
+                                <a:rPr kumimoji="1" lang="en-US" altLang="ja-JP" sz="2800" i="1">
+                                  <a:latin typeface="Cambria Math" panose="02040503050406030204" pitchFamily="18" charset="0"/>
+                                </a:rPr>
+                              </m:ctrlPr>
+                            </m:sSubPr>
+                            <m:e>
+                              <m:r>
+                                <a:rPr kumimoji="1" lang="ja-JP" altLang="en-US" sz="2800" i="1" smtClean="0">
+                                  <a:latin typeface="Cambria Math" panose="02040503050406030204" pitchFamily="18" charset="0"/>
+                                </a:rPr>
+                                <m:t>𝛼</m:t>
+                              </m:r>
+                            </m:e>
+                            <m:sub>
+                              <m:r>
+                                <a:rPr kumimoji="1" lang="en-US" altLang="ja-JP" sz="2800" b="0" i="1" smtClean="0">
+                                  <a:latin typeface="Cambria Math" panose="02040503050406030204" pitchFamily="18" charset="0"/>
+                                </a:rPr>
+                                <m:t>𝑐</m:t>
+                              </m:r>
+                              <m:r>
+                                <a:rPr kumimoji="1" lang="en-US" altLang="ja-JP" sz="2800" b="0" i="1" smtClean="0">
+                                  <a:latin typeface="Cambria Math" panose="02040503050406030204" pitchFamily="18" charset="0"/>
+                                </a:rPr>
+                                <m:t>,</m:t>
+                              </m:r>
+                              <m:r>
+                                <a:rPr kumimoji="1" lang="en-US" altLang="ja-JP" sz="2800" i="1">
+                                  <a:latin typeface="Cambria Math" panose="02040503050406030204" pitchFamily="18" charset="0"/>
+                                </a:rPr>
+                                <m:t>h𝑠𝑒</m:t>
+                              </m:r>
+                            </m:sub>
+                          </m:sSub>
+                          <m:sSub>
+                            <m:sSubPr>
+                              <m:ctrlPr>
+                                <a:rPr kumimoji="1" lang="en-US" altLang="ja-JP" sz="2800" i="1">
+                                  <a:latin typeface="Cambria Math" panose="02040503050406030204" pitchFamily="18" charset="0"/>
+                                </a:rPr>
+                              </m:ctrlPr>
+                            </m:sSubPr>
+                            <m:e>
+                              <m:r>
+                                <a:rPr kumimoji="1" lang="en-US" altLang="ja-JP" sz="2800" b="0" i="1" smtClean="0">
+                                  <a:latin typeface="Cambria Math" panose="02040503050406030204" pitchFamily="18" charset="0"/>
+                                </a:rPr>
+                                <m:t>𝐴</m:t>
+                              </m:r>
+                            </m:e>
+                            <m:sub>
+                              <m:r>
+                                <a:rPr kumimoji="1" lang="en-US" altLang="ja-JP" sz="2800" i="1">
+                                  <a:latin typeface="Cambria Math" panose="02040503050406030204" pitchFamily="18" charset="0"/>
+                                </a:rPr>
+                                <m:t>h𝑠𝑒</m:t>
+                              </m:r>
+                            </m:sub>
+                          </m:sSub>
+                          <m:f>
+                            <m:fPr>
+                              <m:ctrlPr>
+                                <a:rPr kumimoji="1" lang="en-US" altLang="ja-JP" sz="2800" i="1" smtClean="0">
+                                  <a:latin typeface="Cambria Math" panose="02040503050406030204" pitchFamily="18" charset="0"/>
+                                </a:rPr>
+                              </m:ctrlPr>
+                            </m:fPr>
+                            <m:num>
+                              <m:sSub>
+                                <m:sSubPr>
+                                  <m:ctrlPr>
+                                    <a:rPr kumimoji="1" lang="en-US" altLang="ja-JP" sz="2800" b="0" i="1" smtClean="0">
+                                      <a:latin typeface="Cambria Math" panose="02040503050406030204" pitchFamily="18" charset="0"/>
+                                    </a:rPr>
+                                  </m:ctrlPr>
+                                </m:sSubPr>
+                                <m:e>
+                                  <m:r>
+                                    <a:rPr kumimoji="1" lang="en-US" altLang="ja-JP" sz="2800" b="0" i="1" smtClean="0">
+                                      <a:latin typeface="Cambria Math" panose="02040503050406030204" pitchFamily="18" charset="0"/>
+                                    </a:rPr>
+                                    <m:t>𝑀</m:t>
+                                  </m:r>
+                                </m:e>
+                                <m:sub>
+                                  <m:r>
+                                    <a:rPr kumimoji="1" lang="en-US" altLang="ja-JP" sz="2800" b="0" i="1" smtClean="0">
+                                      <a:latin typeface="Cambria Math" panose="02040503050406030204" pitchFamily="18" charset="0"/>
+                                    </a:rPr>
+                                    <m:t>h𝑠𝑒</m:t>
+                                  </m:r>
+                                </m:sub>
+                              </m:sSub>
+                            </m:num>
+                            <m:den>
+                              <m:r>
+                                <a:rPr kumimoji="1" lang="en-US" altLang="ja-JP" sz="2800" i="1" smtClean="0">
+                                  <a:latin typeface="Cambria Math" panose="02040503050406030204" pitchFamily="18" charset="0"/>
+                                  <a:ea typeface="Cambria Math" panose="02040503050406030204" pitchFamily="18" charset="0"/>
+                                </a:rPr>
+                                <m:t>∆</m:t>
+                              </m:r>
+                              <m:r>
+                                <a:rPr kumimoji="1" lang="en-US" altLang="ja-JP" sz="2800" b="0" i="1" smtClean="0">
+                                  <a:latin typeface="Cambria Math" panose="02040503050406030204" pitchFamily="18" charset="0"/>
+                                  <a:ea typeface="Cambria Math" panose="02040503050406030204" pitchFamily="18" charset="0"/>
+                                </a:rPr>
+                                <m:t>𝑡</m:t>
+                              </m:r>
+                            </m:den>
+                          </m:f>
+                        </m:num>
+                        <m:den>
+                          <m:f>
+                            <m:fPr>
+                              <m:ctrlPr>
+                                <a:rPr kumimoji="1" lang="en-US" altLang="ja-JP" sz="2800" i="1" smtClean="0">
+                                  <a:latin typeface="Cambria Math" panose="02040503050406030204" pitchFamily="18" charset="0"/>
+                                </a:rPr>
+                              </m:ctrlPr>
+                            </m:fPr>
+                            <m:num>
+                              <m:sSub>
+                                <m:sSubPr>
+                                  <m:ctrlPr>
+                                    <a:rPr kumimoji="1" lang="en-US" altLang="ja-JP" sz="2800" b="0" i="1" smtClean="0">
+                                      <a:latin typeface="Cambria Math" panose="02040503050406030204" pitchFamily="18" charset="0"/>
+                                    </a:rPr>
+                                  </m:ctrlPr>
+                                </m:sSubPr>
+                                <m:e>
+                                  <m:r>
+                                    <a:rPr kumimoji="1" lang="en-US" altLang="ja-JP" sz="2800" b="0" i="1" smtClean="0">
+                                      <a:latin typeface="Cambria Math" panose="02040503050406030204" pitchFamily="18" charset="0"/>
+                                    </a:rPr>
+                                    <m:t>𝑀</m:t>
+                                  </m:r>
+                                </m:e>
+                                <m:sub>
+                                  <m:r>
+                                    <a:rPr kumimoji="1" lang="en-US" altLang="ja-JP" sz="2800" b="0" i="1" smtClean="0">
+                                      <a:latin typeface="Cambria Math" panose="02040503050406030204" pitchFamily="18" charset="0"/>
+                                    </a:rPr>
+                                    <m:t>h𝑠𝑒</m:t>
+                                  </m:r>
+                                </m:sub>
+                              </m:sSub>
+                            </m:num>
+                            <m:den>
+                              <m:r>
+                                <a:rPr kumimoji="1" lang="en-US" altLang="ja-JP" sz="2800" i="1" smtClean="0">
+                                  <a:latin typeface="Cambria Math" panose="02040503050406030204" pitchFamily="18" charset="0"/>
+                                  <a:ea typeface="Cambria Math" panose="02040503050406030204" pitchFamily="18" charset="0"/>
+                                </a:rPr>
+                                <m:t>∆</m:t>
+                              </m:r>
+                              <m:r>
+                                <a:rPr kumimoji="1" lang="en-US" altLang="ja-JP" sz="2800" b="0" i="1" smtClean="0">
+                                  <a:latin typeface="Cambria Math" panose="02040503050406030204" pitchFamily="18" charset="0"/>
+                                  <a:ea typeface="Cambria Math" panose="02040503050406030204" pitchFamily="18" charset="0"/>
+                                </a:rPr>
+                                <m:t>𝑡</m:t>
+                              </m:r>
+                            </m:den>
+                          </m:f>
+                          <m:r>
+                            <a:rPr kumimoji="1" lang="en-US" altLang="ja-JP" sz="2800" b="0" i="1" smtClean="0">
+                              <a:latin typeface="Cambria Math" panose="02040503050406030204" pitchFamily="18" charset="0"/>
+                            </a:rPr>
+                            <m:t>+</m:t>
+                          </m:r>
+                          <m:sSub>
+                            <m:sSubPr>
+                              <m:ctrlPr>
+                                <a:rPr kumimoji="1" lang="en-US" altLang="ja-JP" sz="2800" i="1">
+                                  <a:latin typeface="Cambria Math" panose="02040503050406030204" pitchFamily="18" charset="0"/>
+                                </a:rPr>
+                              </m:ctrlPr>
+                            </m:sSubPr>
+                            <m:e>
+                              <m:r>
+                                <a:rPr kumimoji="1" lang="ja-JP" altLang="en-US" sz="2800" i="1">
+                                  <a:latin typeface="Cambria Math" panose="02040503050406030204" pitchFamily="18" charset="0"/>
+                                </a:rPr>
+                                <m:t>𝛼</m:t>
+                              </m:r>
+                            </m:e>
+                            <m:sub>
+                              <m:r>
+                                <a:rPr kumimoji="1" lang="en-US" altLang="ja-JP" sz="2800" i="1">
+                                  <a:latin typeface="Cambria Math" panose="02040503050406030204" pitchFamily="18" charset="0"/>
+                                </a:rPr>
+                                <m:t>𝑐</m:t>
+                              </m:r>
+                              <m:r>
+                                <a:rPr kumimoji="1" lang="en-US" altLang="ja-JP" sz="2800" i="1">
+                                  <a:latin typeface="Cambria Math" panose="02040503050406030204" pitchFamily="18" charset="0"/>
+                                </a:rPr>
+                                <m:t>,</m:t>
+                              </m:r>
+                              <m:r>
+                                <a:rPr kumimoji="1" lang="en-US" altLang="ja-JP" sz="2800" i="1">
+                                  <a:latin typeface="Cambria Math" panose="02040503050406030204" pitchFamily="18" charset="0"/>
+                                </a:rPr>
+                                <m:t>h𝑠𝑒</m:t>
+                              </m:r>
+                            </m:sub>
+                          </m:sSub>
+                          <m:sSub>
+                            <m:sSubPr>
+                              <m:ctrlPr>
+                                <a:rPr kumimoji="1" lang="en-US" altLang="ja-JP" sz="2800" i="1">
+                                  <a:latin typeface="Cambria Math" panose="02040503050406030204" pitchFamily="18" charset="0"/>
+                                </a:rPr>
+                              </m:ctrlPr>
+                            </m:sSubPr>
+                            <m:e>
+                              <m:r>
+                                <a:rPr kumimoji="1" lang="en-US" altLang="ja-JP" sz="2800" i="1">
+                                  <a:latin typeface="Cambria Math" panose="02040503050406030204" pitchFamily="18" charset="0"/>
+                                </a:rPr>
+                                <m:t>𝐴</m:t>
+                              </m:r>
+                            </m:e>
+                            <m:sub>
+                              <m:r>
+                                <a:rPr kumimoji="1" lang="en-US" altLang="ja-JP" sz="2800" i="1">
+                                  <a:latin typeface="Cambria Math" panose="02040503050406030204" pitchFamily="18" charset="0"/>
+                                </a:rPr>
+                                <m:t>h𝑠𝑒</m:t>
+                              </m:r>
+                            </m:sub>
+                          </m:sSub>
+                        </m:den>
+                      </m:f>
+                      <m:d>
+                        <m:dPr>
+                          <m:ctrlPr>
+                            <a:rPr kumimoji="1" lang="en-US" altLang="ja-JP" sz="2800" i="1">
+                              <a:latin typeface="Cambria Math" panose="02040503050406030204" pitchFamily="18" charset="0"/>
+                            </a:rPr>
+                          </m:ctrlPr>
+                        </m:dPr>
+                        <m:e>
+                          <m:sSub>
+                            <m:sSubPr>
+                              <m:ctrlPr>
+                                <a:rPr kumimoji="1" lang="en-US" altLang="ja-JP" sz="2800" i="1">
+                                  <a:latin typeface="Cambria Math" panose="02040503050406030204" pitchFamily="18" charset="0"/>
+                                </a:rPr>
+                              </m:ctrlPr>
+                            </m:sSubPr>
+                            <m:e>
+                              <m:r>
+                                <a:rPr kumimoji="1" lang="en-US" altLang="ja-JP" sz="2800" i="1">
+                                  <a:latin typeface="Cambria Math" panose="02040503050406030204" pitchFamily="18" charset="0"/>
+                                </a:rPr>
+                                <m:t>𝜃</m:t>
+                              </m:r>
+                            </m:e>
+                            <m:sub>
+                              <m:r>
+                                <a:rPr kumimoji="1" lang="en-US" altLang="ja-JP" sz="2800" i="1">
+                                  <a:latin typeface="Cambria Math" panose="02040503050406030204" pitchFamily="18" charset="0"/>
+                                </a:rPr>
+                                <m:t>h𝑠𝑒</m:t>
+                              </m:r>
+                              <m:r>
+                                <a:rPr kumimoji="1" lang="en-US" altLang="ja-JP" sz="2800" i="1">
+                                  <a:latin typeface="Cambria Math" panose="02040503050406030204" pitchFamily="18" charset="0"/>
+                                </a:rPr>
+                                <m:t>,</m:t>
+                              </m:r>
+                              <m:r>
+                                <a:rPr kumimoji="1" lang="en-US" altLang="ja-JP" sz="2800" i="1">
+                                  <a:latin typeface="Cambria Math" panose="02040503050406030204" pitchFamily="18" charset="0"/>
+                                </a:rPr>
+                                <m:t>𝑡</m:t>
+                              </m:r>
+                              <m:r>
+                                <a:rPr kumimoji="1" lang="en-US" altLang="ja-JP" sz="2800" i="1">
+                                  <a:latin typeface="Cambria Math" panose="02040503050406030204" pitchFamily="18" charset="0"/>
+                                </a:rPr>
+                                <m:t>−1</m:t>
+                              </m:r>
+                            </m:sub>
+                          </m:sSub>
+                          <m:r>
+                            <a:rPr kumimoji="1" lang="en-US" altLang="ja-JP" sz="2800" i="1">
+                              <a:latin typeface="Cambria Math" panose="02040503050406030204" pitchFamily="18" charset="0"/>
+                            </a:rPr>
+                            <m:t>−</m:t>
+                          </m:r>
+                          <m:sSub>
+                            <m:sSubPr>
+                              <m:ctrlPr>
+                                <a:rPr kumimoji="1" lang="en-US" altLang="ja-JP" sz="2800" i="1">
+                                  <a:latin typeface="Cambria Math" panose="02040503050406030204" pitchFamily="18" charset="0"/>
+                                </a:rPr>
+                              </m:ctrlPr>
+                            </m:sSubPr>
+                            <m:e>
+                              <m:r>
+                                <a:rPr kumimoji="1" lang="en-US" altLang="ja-JP" sz="2800" i="1">
+                                  <a:latin typeface="Cambria Math" panose="02040503050406030204" pitchFamily="18" charset="0"/>
+                                </a:rPr>
+                                <m:t>𝜃</m:t>
+                              </m:r>
+                            </m:e>
+                            <m:sub>
+                              <m:r>
+                                <a:rPr kumimoji="1" lang="en-US" altLang="ja-JP" sz="2800" i="1">
+                                  <a:latin typeface="Cambria Math" panose="02040503050406030204" pitchFamily="18" charset="0"/>
+                                </a:rPr>
+                                <m:t>𝑢𝑓</m:t>
+                              </m:r>
+                            </m:sub>
+                          </m:sSub>
+                        </m:e>
+                      </m:d>
+                    </m:oMath>
+                  </m:oMathPara>
+                </a14:m>
+                <a:endParaRPr kumimoji="1" lang="ja-JP" altLang="en-US" sz="2800" dirty="0"/>
+              </a:p>
+            </p:txBody>
+          </p:sp>
+        </mc:Choice>
+        <mc:Fallback>
+          <p:sp>
+            <p:nvSpPr>
+              <p:cNvPr id="57" name="テキスト ボックス 56">
+                <a:extLst>
+                  <a:ext uri="{FF2B5EF4-FFF2-40B4-BE49-F238E27FC236}">
+                    <a16:creationId xmlns:a16="http://schemas.microsoft.com/office/drawing/2014/main" id="{22160144-410D-4C22-8970-AAF16E46DDC9}"/>
+                  </a:ext>
+                </a:extLst>
+              </p:cNvPr>
+              <p:cNvSpPr txBox="1">
+                <a:spLocks noRot="1" noChangeAspect="1" noMove="1" noResize="1" noEditPoints="1" noAdjustHandles="1" noChangeArrowheads="1" noChangeShapeType="1" noTextEdit="1"/>
+              </p:cNvSpPr>
+              <p:nvPr/>
+            </p:nvSpPr>
+            <p:spPr>
+              <a:xfrm>
+                <a:off x="298585" y="5353043"/>
+                <a:ext cx="5312288" cy="1438855"/>
+              </a:xfrm>
+              <a:prstGeom prst="rect">
+                <a:avLst/>
+              </a:prstGeom>
+              <a:blipFill>
+                <a:blip r:embed="rId9"/>
+                <a:stretch>
+                  <a:fillRect/>
+                </a:stretch>
+              </a:blipFill>
+            </p:spPr>
+            <p:txBody>
+              <a:bodyPr/>
+              <a:lstStyle/>
+              <a:p>
+                <a:r>
+                  <a:rPr lang="ja-JP" altLang="en-US">
+                    <a:noFill/>
+                  </a:rPr>
+                  <a:t> </a:t>
+                </a:r>
+              </a:p>
+            </p:txBody>
+          </p:sp>
+        </mc:Fallback>
+      </mc:AlternateContent>
+      <p:cxnSp>
+        <p:nvCxnSpPr>
+          <p:cNvPr id="58" name="直線コネクタ 57">
+            <a:extLst>
+              <a:ext uri="{FF2B5EF4-FFF2-40B4-BE49-F238E27FC236}">
+                <a16:creationId xmlns:a16="http://schemas.microsoft.com/office/drawing/2014/main" id="{57730D74-0E95-4726-A2DA-1005A58C9902}"/>
+              </a:ext>
+            </a:extLst>
+          </p:cNvPr>
+          <p:cNvCxnSpPr>
+            <a:cxnSpLocks/>
+            <a:stCxn id="57" idx="0"/>
+            <a:endCxn id="55" idx="1"/>
+          </p:cNvCxnSpPr>
+          <p:nvPr/>
+        </p:nvCxnSpPr>
+        <p:spPr>
+          <a:xfrm flipV="1">
+            <a:off x="2954729" y="3888907"/>
+            <a:ext cx="1736623" cy="1464136"/>
+          </a:xfrm>
+          <a:prstGeom prst="line">
+            <a:avLst/>
+          </a:prstGeom>
+          <a:ln w="19050">
+            <a:solidFill>
+              <a:schemeClr val="tx1">
+                <a:lumMod val="50000"/>
+                <a:lumOff val="50000"/>
+              </a:schemeClr>
+            </a:solidFill>
+            <a:prstDash val="sysDash"/>
+          </a:ln>
+        </p:spPr>
+        <p:style>
+          <a:lnRef idx="1">
+            <a:schemeClr val="accent1"/>
+          </a:lnRef>
+          <a:fillRef idx="0">
+            <a:schemeClr val="accent1"/>
+          </a:fillRef>
+          <a:effectRef idx="0">
+            <a:schemeClr val="accent1"/>
+          </a:effectRef>
+          <a:fontRef idx="minor">
+            <a:schemeClr val="tx1"/>
+          </a:fontRef>
+        </p:style>
+      </p:cxnSp>
+      <p:sp>
+        <p:nvSpPr>
+          <p:cNvPr id="61" name="テキスト ボックス 60">
+            <a:extLst>
+              <a:ext uri="{FF2B5EF4-FFF2-40B4-BE49-F238E27FC236}">
+                <a16:creationId xmlns:a16="http://schemas.microsoft.com/office/drawing/2014/main" id="{32CA7140-DC33-4118-AD98-D7B1072533C2}"/>
+              </a:ext>
+            </a:extLst>
+          </p:cNvPr>
+          <p:cNvSpPr txBox="1"/>
+          <p:nvPr/>
+        </p:nvSpPr>
+        <p:spPr>
+          <a:xfrm>
+            <a:off x="8234695" y="5599673"/>
+            <a:ext cx="646331" cy="369332"/>
+          </a:xfrm>
+          <a:prstGeom prst="rect">
+            <a:avLst/>
+          </a:prstGeom>
+          <a:noFill/>
+        </p:spPr>
+        <p:txBody>
+          <a:bodyPr wrap="none" rtlCol="0">
+            <a:spAutoFit/>
+          </a:bodyPr>
+          <a:lstStyle/>
+          <a:p>
+            <a:r>
+              <a:rPr kumimoji="1" lang="ja-JP" altLang="en-US" dirty="0"/>
+              <a:t>地盤</a:t>
+            </a:r>
+          </a:p>
+        </p:txBody>
+      </p:sp>
+      <p:cxnSp>
+        <p:nvCxnSpPr>
+          <p:cNvPr id="62" name="直線コネクタ 61">
+            <a:extLst>
+              <a:ext uri="{FF2B5EF4-FFF2-40B4-BE49-F238E27FC236}">
+                <a16:creationId xmlns:a16="http://schemas.microsoft.com/office/drawing/2014/main" id="{9301F265-2403-4C6F-81FC-96E42308F384}"/>
+              </a:ext>
+            </a:extLst>
+          </p:cNvPr>
+          <p:cNvCxnSpPr>
+            <a:cxnSpLocks/>
+            <a:endCxn id="61" idx="1"/>
+          </p:cNvCxnSpPr>
+          <p:nvPr/>
+        </p:nvCxnSpPr>
+        <p:spPr>
+          <a:xfrm>
+            <a:off x="7966558" y="5331681"/>
+            <a:ext cx="268137" cy="452658"/>
+          </a:xfrm>
+          <a:prstGeom prst="line">
+            <a:avLst/>
+          </a:prstGeom>
+          <a:ln w="19050">
+            <a:solidFill>
+              <a:schemeClr val="tx1">
+                <a:lumMod val="50000"/>
+                <a:lumOff val="50000"/>
+              </a:schemeClr>
+            </a:solidFill>
+          </a:ln>
+        </p:spPr>
+        <p:style>
+          <a:lnRef idx="1">
+            <a:schemeClr val="accent1"/>
+          </a:lnRef>
+          <a:fillRef idx="0">
+            <a:schemeClr val="accent1"/>
+          </a:fillRef>
+          <a:effectRef idx="0">
+            <a:schemeClr val="accent1"/>
+          </a:effectRef>
+          <a:fontRef idx="minor">
+            <a:schemeClr val="tx1"/>
+          </a:fontRef>
+        </p:style>
+      </p:cxnSp>
+      <p:cxnSp>
+        <p:nvCxnSpPr>
+          <p:cNvPr id="46" name="直線コネクタ 45">
+            <a:extLst>
+              <a:ext uri="{FF2B5EF4-FFF2-40B4-BE49-F238E27FC236}">
+                <a16:creationId xmlns:a16="http://schemas.microsoft.com/office/drawing/2014/main" id="{48B59E1B-5AC0-4EDF-8819-C36EEBDBC567}"/>
+              </a:ext>
+            </a:extLst>
+          </p:cNvPr>
+          <p:cNvCxnSpPr>
+            <a:cxnSpLocks/>
+          </p:cNvCxnSpPr>
+          <p:nvPr/>
+        </p:nvCxnSpPr>
+        <p:spPr>
+          <a:xfrm flipV="1">
+            <a:off x="8051006" y="4503918"/>
+            <a:ext cx="163906" cy="184666"/>
+          </a:xfrm>
+          <a:prstGeom prst="line">
+            <a:avLst/>
+          </a:prstGeom>
+          <a:ln w="19050">
+            <a:solidFill>
+              <a:schemeClr val="tx1">
+                <a:lumMod val="50000"/>
+                <a:lumOff val="50000"/>
+              </a:schemeClr>
+            </a:solidFill>
+          </a:ln>
+        </p:spPr>
+        <p:style>
+          <a:lnRef idx="1">
+            <a:schemeClr val="accent1"/>
+          </a:lnRef>
+          <a:fillRef idx="0">
+            <a:schemeClr val="accent1"/>
+          </a:fillRef>
+          <a:effectRef idx="0">
+            <a:schemeClr val="accent1"/>
+          </a:effectRef>
+          <a:fontRef idx="minor">
+            <a:schemeClr val="tx1"/>
+          </a:fontRef>
+        </p:style>
+      </p:cxnSp>
+      <mc:AlternateContent xmlns:mc="http://schemas.openxmlformats.org/markup-compatibility/2006" xmlns:a14="http://schemas.microsoft.com/office/drawing/2010/main">
+        <mc:Choice Requires="a14">
+          <p:sp>
+            <p:nvSpPr>
+              <p:cNvPr id="40" name="テキスト ボックス 39">
+                <a:extLst>
+                  <a:ext uri="{FF2B5EF4-FFF2-40B4-BE49-F238E27FC236}">
+                    <a16:creationId xmlns:a16="http://schemas.microsoft.com/office/drawing/2014/main" id="{AEAE8A9E-16C3-4FE4-9E23-EC440823B169}"/>
+                  </a:ext>
+                </a:extLst>
+              </p:cNvPr>
+              <p:cNvSpPr txBox="1"/>
+              <p:nvPr/>
+            </p:nvSpPr>
+            <p:spPr>
+              <a:xfrm>
+                <a:off x="4416396" y="4099450"/>
+                <a:ext cx="518604" cy="307777"/>
+              </a:xfrm>
+              <a:prstGeom prst="rect">
+                <a:avLst/>
+              </a:prstGeom>
+              <a:solidFill>
+                <a:schemeClr val="bg1"/>
+              </a:solidFill>
+            </p:spPr>
+            <p:txBody>
+              <a:bodyPr wrap="none" lIns="0" tIns="0" rIns="0" bIns="0" rtlCol="0">
+                <a:spAutoFit/>
+              </a:bodyPr>
+              <a:lstStyle/>
+              <a:p>
+                <a:pPr/>
+                <a14:m>
+                  <m:oMathPara xmlns:m="http://schemas.openxmlformats.org/officeDocument/2006/math">
+                    <m:oMathParaPr>
+                      <m:jc m:val="centerGroup"/>
+                    </m:oMathParaPr>
+                    <m:oMath xmlns:m="http://schemas.openxmlformats.org/officeDocument/2006/math">
+                      <m:sSub>
+                        <m:sSubPr>
+                          <m:ctrlPr>
+                            <a:rPr kumimoji="1" lang="en-US" altLang="ja-JP" sz="2000" b="0" i="1" smtClean="0">
+                              <a:latin typeface="Cambria Math" panose="02040503050406030204" pitchFamily="18" charset="0"/>
+                            </a:rPr>
+                          </m:ctrlPr>
+                        </m:sSubPr>
+                        <m:e>
+                          <m:r>
+                            <a:rPr kumimoji="1" lang="en-US" altLang="ja-JP" sz="2000" b="0" i="1" smtClean="0">
+                              <a:latin typeface="Cambria Math" panose="02040503050406030204" pitchFamily="18" charset="0"/>
+                            </a:rPr>
+                            <m:t>𝜃</m:t>
+                          </m:r>
+                        </m:e>
+                        <m:sub>
+                          <m:r>
+                            <a:rPr kumimoji="1" lang="en-US" altLang="ja-JP" sz="2000" b="0" i="1" smtClean="0">
+                              <a:latin typeface="Cambria Math" panose="02040503050406030204" pitchFamily="18" charset="0"/>
+                            </a:rPr>
+                            <m:t>h𝑠𝑒</m:t>
+                          </m:r>
+                        </m:sub>
+                      </m:sSub>
+                    </m:oMath>
+                  </m:oMathPara>
+                </a14:m>
+                <a:endParaRPr kumimoji="1" lang="ja-JP" altLang="en-US" sz="2000" dirty="0"/>
+              </a:p>
+            </p:txBody>
+          </p:sp>
+        </mc:Choice>
+        <mc:Fallback xmlns="">
+          <p:sp>
+            <p:nvSpPr>
+              <p:cNvPr id="40" name="テキスト ボックス 39">
+                <a:extLst>
+                  <a:ext uri="{FF2B5EF4-FFF2-40B4-BE49-F238E27FC236}">
+                    <a16:creationId xmlns:a16="http://schemas.microsoft.com/office/drawing/2014/main" id="{AEAE8A9E-16C3-4FE4-9E23-EC440823B169}"/>
+                  </a:ext>
+                </a:extLst>
+              </p:cNvPr>
+              <p:cNvSpPr txBox="1">
+                <a:spLocks noRot="1" noChangeAspect="1" noMove="1" noResize="1" noEditPoints="1" noAdjustHandles="1" noChangeArrowheads="1" noChangeShapeType="1" noTextEdit="1"/>
+              </p:cNvSpPr>
+              <p:nvPr/>
+            </p:nvSpPr>
+            <p:spPr>
+              <a:xfrm>
+                <a:off x="4416396" y="4099450"/>
+                <a:ext cx="518604" cy="307777"/>
+              </a:xfrm>
+              <a:prstGeom prst="rect">
+                <a:avLst/>
+              </a:prstGeom>
+              <a:blipFill>
+                <a:blip r:embed="rId11"/>
+                <a:stretch>
+                  <a:fillRect l="-11628" r="-3488" b="-15686"/>
+                </a:stretch>
+              </a:blipFill>
+            </p:spPr>
+            <p:txBody>
+              <a:bodyPr/>
+              <a:lstStyle/>
+              <a:p>
+                <a:r>
+                  <a:rPr lang="ja-JP" altLang="en-US">
+                    <a:noFill/>
+                  </a:rPr>
+                  <a:t> </a:t>
+                </a:r>
+              </a:p>
+            </p:txBody>
+          </p:sp>
+        </mc:Fallback>
+      </mc:AlternateContent>
+      <mc:AlternateContent xmlns:mc="http://schemas.openxmlformats.org/markup-compatibility/2006" xmlns:a14="http://schemas.microsoft.com/office/drawing/2010/main">
+        <mc:Choice Requires="a14">
+          <p:sp>
+            <p:nvSpPr>
+              <p:cNvPr id="42" name="テキスト ボックス 41">
+                <a:extLst>
+                  <a:ext uri="{FF2B5EF4-FFF2-40B4-BE49-F238E27FC236}">
+                    <a16:creationId xmlns:a16="http://schemas.microsoft.com/office/drawing/2014/main" id="{0BBA07B3-7B7F-4227-9515-B449BD5166BF}"/>
+                  </a:ext>
+                </a:extLst>
+              </p:cNvPr>
+              <p:cNvSpPr txBox="1"/>
+              <p:nvPr/>
+            </p:nvSpPr>
+            <p:spPr>
+              <a:xfrm>
+                <a:off x="6830510" y="5105720"/>
+                <a:ext cx="313291" cy="332720"/>
+              </a:xfrm>
+              <a:prstGeom prst="rect">
+                <a:avLst/>
+              </a:prstGeom>
+              <a:solidFill>
+                <a:schemeClr val="bg1"/>
+              </a:solidFill>
+            </p:spPr>
+            <p:txBody>
+              <a:bodyPr wrap="none" lIns="0" tIns="0" rIns="0" bIns="0" rtlCol="0">
+                <a:spAutoFit/>
+              </a:bodyPr>
+              <a:lstStyle/>
+              <a:p>
+                <a:pPr/>
+                <a14:m>
+                  <m:oMathPara xmlns:m="http://schemas.openxmlformats.org/officeDocument/2006/math">
+                    <m:oMathParaPr>
+                      <m:jc m:val="centerGroup"/>
+                    </m:oMathParaPr>
+                    <m:oMath xmlns:m="http://schemas.openxmlformats.org/officeDocument/2006/math">
+                      <m:sSub>
+                        <m:sSubPr>
+                          <m:ctrlPr>
+                            <a:rPr kumimoji="1" lang="en-US" altLang="ja-JP" sz="2000" b="0" i="1" smtClean="0">
+                              <a:latin typeface="Cambria Math" panose="02040503050406030204" pitchFamily="18" charset="0"/>
+                            </a:rPr>
+                          </m:ctrlPr>
+                        </m:sSubPr>
+                        <m:e>
+                          <m:r>
+                            <a:rPr kumimoji="1" lang="en-US" altLang="ja-JP" sz="2000" b="0" i="1" smtClean="0">
+                              <a:latin typeface="Cambria Math" panose="02040503050406030204" pitchFamily="18" charset="0"/>
+                            </a:rPr>
+                            <m:t>𝜃</m:t>
+                          </m:r>
+                        </m:e>
+                        <m:sub>
+                          <m:r>
+                            <a:rPr kumimoji="1" lang="en-US" altLang="ja-JP" sz="2000" b="0" i="1" smtClean="0">
+                              <a:latin typeface="Cambria Math" panose="02040503050406030204" pitchFamily="18" charset="0"/>
+                            </a:rPr>
+                            <m:t>𝑔</m:t>
+                          </m:r>
+                        </m:sub>
+                      </m:sSub>
+                    </m:oMath>
+                  </m:oMathPara>
+                </a14:m>
+                <a:endParaRPr kumimoji="1" lang="ja-JP" altLang="en-US" sz="2000" dirty="0"/>
+              </a:p>
+            </p:txBody>
+          </p:sp>
+        </mc:Choice>
+        <mc:Fallback xmlns="">
+          <p:sp>
+            <p:nvSpPr>
+              <p:cNvPr id="42" name="テキスト ボックス 41">
+                <a:extLst>
+                  <a:ext uri="{FF2B5EF4-FFF2-40B4-BE49-F238E27FC236}">
+                    <a16:creationId xmlns:a16="http://schemas.microsoft.com/office/drawing/2014/main" id="{0BBA07B3-7B7F-4227-9515-B449BD5166BF}"/>
+                  </a:ext>
+                </a:extLst>
+              </p:cNvPr>
+              <p:cNvSpPr txBox="1">
+                <a:spLocks noRot="1" noChangeAspect="1" noMove="1" noResize="1" noEditPoints="1" noAdjustHandles="1" noChangeArrowheads="1" noChangeShapeType="1" noTextEdit="1"/>
+              </p:cNvSpPr>
+              <p:nvPr/>
+            </p:nvSpPr>
+            <p:spPr>
+              <a:xfrm>
+                <a:off x="6830510" y="5105720"/>
+                <a:ext cx="313291" cy="332720"/>
+              </a:xfrm>
+              <a:prstGeom prst="rect">
+                <a:avLst/>
+              </a:prstGeom>
+              <a:blipFill>
+                <a:blip r:embed="rId12"/>
+                <a:stretch>
+                  <a:fillRect l="-19231" r="-7692" b="-22222"/>
+                </a:stretch>
+              </a:blipFill>
+            </p:spPr>
+            <p:txBody>
+              <a:bodyPr/>
+              <a:lstStyle/>
+              <a:p>
+                <a:r>
+                  <a:rPr lang="ja-JP" altLang="en-US">
+                    <a:noFill/>
+                  </a:rPr>
+                  <a:t> </a:t>
+                </a:r>
+              </a:p>
+            </p:txBody>
+          </p:sp>
+        </mc:Fallback>
+      </mc:AlternateContent>
+      <mc:AlternateContent xmlns:mc="http://schemas.openxmlformats.org/markup-compatibility/2006" xmlns:a14="http://schemas.microsoft.com/office/drawing/2010/main">
+        <mc:Choice Requires="a14">
+          <p:sp>
+            <p:nvSpPr>
+              <p:cNvPr id="43" name="テキスト ボックス 42">
+                <a:extLst>
+                  <a:ext uri="{FF2B5EF4-FFF2-40B4-BE49-F238E27FC236}">
+                    <a16:creationId xmlns:a16="http://schemas.microsoft.com/office/drawing/2014/main" id="{D30021A6-4A7B-488E-8D9E-5AC3AD1F2BC2}"/>
+                  </a:ext>
+                </a:extLst>
+              </p:cNvPr>
+              <p:cNvSpPr txBox="1"/>
+              <p:nvPr/>
+            </p:nvSpPr>
+            <p:spPr>
+              <a:xfrm>
+                <a:off x="6193854" y="3518863"/>
+                <a:ext cx="2852832" cy="496739"/>
+              </a:xfrm>
+              <a:prstGeom prst="rect">
+                <a:avLst/>
+              </a:prstGeom>
+              <a:noFill/>
+            </p:spPr>
+            <p:txBody>
+              <a:bodyPr wrap="none" lIns="0" tIns="0" rIns="0" bIns="0" rtlCol="0">
+                <a:spAutoFit/>
+              </a:bodyPr>
+              <a:lstStyle/>
+              <a:p>
+                <a:pPr/>
+                <a14:m>
+                  <m:oMathPara xmlns:m="http://schemas.openxmlformats.org/officeDocument/2006/math">
+                    <m:oMathParaPr>
+                      <m:jc m:val="centerGroup"/>
+                    </m:oMathParaPr>
+                    <m:oMath xmlns:m="http://schemas.openxmlformats.org/officeDocument/2006/math">
+                      <m:sSub>
+                        <m:sSubPr>
+                          <m:ctrlPr>
+                            <a:rPr kumimoji="1" lang="en-US" altLang="ja-JP" sz="2800" i="1" smtClean="0">
+                              <a:latin typeface="Cambria Math" panose="02040503050406030204" pitchFamily="18" charset="0"/>
+                            </a:rPr>
+                          </m:ctrlPr>
+                        </m:sSubPr>
+                        <m:e>
+                          <m:r>
+                            <a:rPr kumimoji="1" lang="en-US" altLang="ja-JP" sz="2800" i="1">
+                              <a:latin typeface="Cambria Math" panose="02040503050406030204" pitchFamily="18" charset="0"/>
+                            </a:rPr>
+                            <m:t>𝑈</m:t>
+                          </m:r>
+                        </m:e>
+                        <m:sub>
+                          <m:r>
+                            <a:rPr kumimoji="1" lang="en-US" altLang="ja-JP" sz="2800" b="0" i="1" smtClean="0">
+                              <a:latin typeface="Cambria Math" panose="02040503050406030204" pitchFamily="18" charset="0"/>
+                            </a:rPr>
+                            <m:t>𝑏𝑓</m:t>
+                          </m:r>
+                        </m:sub>
+                      </m:sSub>
+                      <m:sSub>
+                        <m:sSubPr>
+                          <m:ctrlPr>
+                            <a:rPr kumimoji="1" lang="en-US" altLang="ja-JP" sz="2800" i="1">
+                              <a:latin typeface="Cambria Math" panose="02040503050406030204" pitchFamily="18" charset="0"/>
+                            </a:rPr>
+                          </m:ctrlPr>
+                        </m:sSubPr>
+                        <m:e>
+                          <m:r>
+                            <a:rPr kumimoji="1" lang="en-US" altLang="ja-JP" sz="2800" i="1">
+                              <a:latin typeface="Cambria Math" panose="02040503050406030204" pitchFamily="18" charset="0"/>
+                            </a:rPr>
+                            <m:t>𝐴</m:t>
+                          </m:r>
+                        </m:e>
+                        <m:sub>
+                          <m:r>
+                            <a:rPr kumimoji="1" lang="en-US" altLang="ja-JP" sz="2800" b="0" i="1" smtClean="0">
+                              <a:latin typeface="Cambria Math" panose="02040503050406030204" pitchFamily="18" charset="0"/>
+                            </a:rPr>
+                            <m:t>𝑏𝑓</m:t>
+                          </m:r>
+                        </m:sub>
+                      </m:sSub>
+                      <m:d>
+                        <m:dPr>
+                          <m:ctrlPr>
+                            <a:rPr kumimoji="1" lang="en-US" altLang="ja-JP" sz="2800" i="1">
+                              <a:latin typeface="Cambria Math" panose="02040503050406030204" pitchFamily="18" charset="0"/>
+                            </a:rPr>
+                          </m:ctrlPr>
+                        </m:dPr>
+                        <m:e>
+                          <m:sSub>
+                            <m:sSubPr>
+                              <m:ctrlPr>
+                                <a:rPr kumimoji="1" lang="en-US" altLang="ja-JP" sz="2800" i="1">
+                                  <a:latin typeface="Cambria Math" panose="02040503050406030204" pitchFamily="18" charset="0"/>
+                                </a:rPr>
+                              </m:ctrlPr>
+                            </m:sSubPr>
+                            <m:e>
+                              <m:r>
+                                <a:rPr kumimoji="1" lang="en-US" altLang="ja-JP" sz="2800" i="1">
+                                  <a:latin typeface="Cambria Math" panose="02040503050406030204" pitchFamily="18" charset="0"/>
+                                </a:rPr>
+                                <m:t>𝜃</m:t>
+                              </m:r>
+                            </m:e>
+                            <m:sub>
+                              <m:r>
+                                <a:rPr kumimoji="1" lang="en-US" altLang="ja-JP" sz="2800" b="0" i="1" smtClean="0">
+                                  <a:latin typeface="Cambria Math" panose="02040503050406030204" pitchFamily="18" charset="0"/>
+                                </a:rPr>
+                                <m:t>𝑔</m:t>
+                              </m:r>
+                            </m:sub>
+                          </m:sSub>
+                          <m:r>
+                            <a:rPr kumimoji="1" lang="en-US" altLang="ja-JP" sz="2800" i="1">
+                              <a:latin typeface="Cambria Math" panose="02040503050406030204" pitchFamily="18" charset="0"/>
+                            </a:rPr>
+                            <m:t>−</m:t>
+                          </m:r>
+                          <m:sSub>
+                            <m:sSubPr>
+                              <m:ctrlPr>
+                                <a:rPr kumimoji="1" lang="en-US" altLang="ja-JP" sz="2800" i="1">
+                                  <a:latin typeface="Cambria Math" panose="02040503050406030204" pitchFamily="18" charset="0"/>
+                                </a:rPr>
+                              </m:ctrlPr>
+                            </m:sSubPr>
+                            <m:e>
+                              <m:r>
+                                <a:rPr kumimoji="1" lang="en-US" altLang="ja-JP" sz="2800" i="1">
+                                  <a:latin typeface="Cambria Math" panose="02040503050406030204" pitchFamily="18" charset="0"/>
+                                </a:rPr>
+                                <m:t>𝜃</m:t>
+                              </m:r>
+                            </m:e>
+                            <m:sub>
+                              <m:r>
+                                <a:rPr kumimoji="1" lang="en-US" altLang="ja-JP" sz="2800" b="0" i="1" smtClean="0">
+                                  <a:latin typeface="Cambria Math" panose="02040503050406030204" pitchFamily="18" charset="0"/>
+                                </a:rPr>
+                                <m:t>𝑢𝑓</m:t>
+                              </m:r>
+                            </m:sub>
+                          </m:sSub>
+                        </m:e>
+                      </m:d>
+                    </m:oMath>
+                  </m:oMathPara>
+                </a14:m>
+                <a:endParaRPr kumimoji="1" lang="ja-JP" altLang="en-US" sz="2800" dirty="0"/>
+              </a:p>
+            </p:txBody>
+          </p:sp>
+        </mc:Choice>
+        <mc:Fallback xmlns="">
+          <p:sp>
+            <p:nvSpPr>
+              <p:cNvPr id="43" name="テキスト ボックス 42">
+                <a:extLst>
+                  <a:ext uri="{FF2B5EF4-FFF2-40B4-BE49-F238E27FC236}">
+                    <a16:creationId xmlns:a16="http://schemas.microsoft.com/office/drawing/2014/main" id="{D30021A6-4A7B-488E-8D9E-5AC3AD1F2BC2}"/>
+                  </a:ext>
+                </a:extLst>
+              </p:cNvPr>
+              <p:cNvSpPr txBox="1">
+                <a:spLocks noRot="1" noChangeAspect="1" noMove="1" noResize="1" noEditPoints="1" noAdjustHandles="1" noChangeArrowheads="1" noChangeShapeType="1" noTextEdit="1"/>
+              </p:cNvSpPr>
+              <p:nvPr/>
+            </p:nvSpPr>
+            <p:spPr>
+              <a:xfrm>
+                <a:off x="6193854" y="3518863"/>
+                <a:ext cx="2852832" cy="496739"/>
+              </a:xfrm>
+              <a:prstGeom prst="rect">
+                <a:avLst/>
+              </a:prstGeom>
+              <a:blipFill>
+                <a:blip r:embed="rId13"/>
+                <a:stretch>
+                  <a:fillRect/>
+                </a:stretch>
+              </a:blipFill>
+            </p:spPr>
+            <p:txBody>
+              <a:bodyPr/>
+              <a:lstStyle/>
+              <a:p>
+                <a:r>
+                  <a:rPr lang="ja-JP" altLang="en-US">
+                    <a:noFill/>
+                  </a:rPr>
+                  <a:t> </a:t>
+                </a:r>
+              </a:p>
+            </p:txBody>
+          </p:sp>
+        </mc:Fallback>
+      </mc:AlternateContent>
+    </p:spTree>
+    <p:extLst>
+      <p:ext uri="{BB962C8B-B14F-4D97-AF65-F5344CB8AC3E}">
+        <p14:creationId xmlns:p14="http://schemas.microsoft.com/office/powerpoint/2010/main" val="78799928"/>
+      </p:ext>
+    </p:extLst>
+  </p:cSld>
+  <p:clrMapOvr>
+    <a:masterClrMapping/>
+  </p:clrMapOvr>
+</p:sld>
+</file>
+
+<file path=ppt/slides/slide3.xml><?xml version="1.0" encoding="utf-8"?>
+<p:sld xmlns:a="http://schemas.openxmlformats.org/drawingml/2006/main" xmlns:r="http://schemas.openxmlformats.org/officeDocument/2006/relationships" xmlns:p="http://schemas.openxmlformats.org/presentationml/2006/main">
+  <p:cSld>
+    <p:spTree>
+      <p:nvGrpSpPr>
+        <p:cNvPr id="1" name=""/>
+        <p:cNvGrpSpPr/>
+        <p:nvPr/>
+      </p:nvGrpSpPr>
+      <p:grpSpPr>
+        <a:xfrm>
+          <a:off x="0" y="0"/>
+          <a:ext cx="0" cy="0"/>
+          <a:chOff x="0" y="0"/>
+          <a:chExt cx="0" cy="0"/>
+        </a:xfrm>
+      </p:grpSpPr>
+      <p:pic>
+        <p:nvPicPr>
+          <p:cNvPr id="5" name="図 4">
+            <a:extLst>
+              <a:ext uri="{FF2B5EF4-FFF2-40B4-BE49-F238E27FC236}">
+                <a16:creationId xmlns:a16="http://schemas.microsoft.com/office/drawing/2014/main" id="{31BDABA6-1CBF-4A80-9A1F-AB49217EB4A4}"/>
+              </a:ext>
+            </a:extLst>
+          </p:cNvPr>
+          <p:cNvPicPr>
+            <a:picLocks noChangeAspect="1"/>
+          </p:cNvPicPr>
+          <p:nvPr/>
+        </p:nvPicPr>
+        <p:blipFill>
+          <a:blip r:embed="rId2"/>
+          <a:stretch>
+            <a:fillRect/>
+          </a:stretch>
+        </p:blipFill>
+        <p:spPr>
+          <a:xfrm>
+            <a:off x="1649924" y="1272376"/>
+            <a:ext cx="2922076" cy="2156625"/>
+          </a:xfrm>
+          <a:prstGeom prst="rect">
+            <a:avLst/>
+          </a:prstGeom>
+        </p:spPr>
+      </p:pic>
+    </p:spTree>
+    <p:extLst>
+      <p:ext uri="{BB962C8B-B14F-4D97-AF65-F5344CB8AC3E}">
+        <p14:creationId xmlns:p14="http://schemas.microsoft.com/office/powerpoint/2010/main" val="1135056171"/>
       </p:ext>
     </p:extLst>
   </p:cSld>

--- a/Air_Based_Solar_System/_09_Natural_Energy_System/Basis/Sketch_of_Heat_Balance_of_Underfloor_Original.pptx
+++ b/Air_Based_Solar_System/_09_Natural_Energy_System/Basis/Sketch_of_Heat_Balance_of_Underfloor_Original.pptx
@@ -245,7 +245,7 @@
           <a:p>
             <a:fld id="{1CDE82D3-BF5D-4CFE-A99D-ECC12DB01D9A}" type="datetimeFigureOut">
               <a:rPr kumimoji="1" lang="ja-JP" altLang="en-US" smtClean="0"/>
-              <a:t>2018/6/22</a:t>
+              <a:t>2018/6/25</a:t>
             </a:fld>
             <a:endParaRPr kumimoji="1" lang="ja-JP" altLang="en-US"/>
           </a:p>
@@ -447,7 +447,7 @@
           <a:p>
             <a:fld id="{1CDE82D3-BF5D-4CFE-A99D-ECC12DB01D9A}" type="datetimeFigureOut">
               <a:rPr kumimoji="1" lang="ja-JP" altLang="en-US" smtClean="0"/>
-              <a:t>2018/6/22</a:t>
+              <a:t>2018/6/25</a:t>
             </a:fld>
             <a:endParaRPr kumimoji="1" lang="ja-JP" altLang="en-US"/>
           </a:p>
@@ -659,7 +659,7 @@
           <a:p>
             <a:fld id="{1CDE82D3-BF5D-4CFE-A99D-ECC12DB01D9A}" type="datetimeFigureOut">
               <a:rPr kumimoji="1" lang="ja-JP" altLang="en-US" smtClean="0"/>
-              <a:t>2018/6/22</a:t>
+              <a:t>2018/6/25</a:t>
             </a:fld>
             <a:endParaRPr kumimoji="1" lang="ja-JP" altLang="en-US"/>
           </a:p>
@@ -861,7 +861,7 @@
           <a:p>
             <a:fld id="{1CDE82D3-BF5D-4CFE-A99D-ECC12DB01D9A}" type="datetimeFigureOut">
               <a:rPr kumimoji="1" lang="ja-JP" altLang="en-US" smtClean="0"/>
-              <a:t>2018/6/22</a:t>
+              <a:t>2018/6/25</a:t>
             </a:fld>
             <a:endParaRPr kumimoji="1" lang="ja-JP" altLang="en-US"/>
           </a:p>
@@ -1105,7 +1105,7 @@
           <a:p>
             <a:fld id="{1CDE82D3-BF5D-4CFE-A99D-ECC12DB01D9A}" type="datetimeFigureOut">
               <a:rPr kumimoji="1" lang="ja-JP" altLang="en-US" smtClean="0"/>
-              <a:t>2018/6/22</a:t>
+              <a:t>2018/6/25</a:t>
             </a:fld>
             <a:endParaRPr kumimoji="1" lang="ja-JP" altLang="en-US"/>
           </a:p>
@@ -1401,7 +1401,7 @@
           <a:p>
             <a:fld id="{1CDE82D3-BF5D-4CFE-A99D-ECC12DB01D9A}" type="datetimeFigureOut">
               <a:rPr kumimoji="1" lang="ja-JP" altLang="en-US" smtClean="0"/>
-              <a:t>2018/6/22</a:t>
+              <a:t>2018/6/25</a:t>
             </a:fld>
             <a:endParaRPr kumimoji="1" lang="ja-JP" altLang="en-US"/>
           </a:p>
@@ -1832,7 +1832,7 @@
           <a:p>
             <a:fld id="{1CDE82D3-BF5D-4CFE-A99D-ECC12DB01D9A}" type="datetimeFigureOut">
               <a:rPr kumimoji="1" lang="ja-JP" altLang="en-US" smtClean="0"/>
-              <a:t>2018/6/22</a:t>
+              <a:t>2018/6/25</a:t>
             </a:fld>
             <a:endParaRPr kumimoji="1" lang="ja-JP" altLang="en-US"/>
           </a:p>
@@ -1950,7 +1950,7 @@
           <a:p>
             <a:fld id="{1CDE82D3-BF5D-4CFE-A99D-ECC12DB01D9A}" type="datetimeFigureOut">
               <a:rPr kumimoji="1" lang="ja-JP" altLang="en-US" smtClean="0"/>
-              <a:t>2018/6/22</a:t>
+              <a:t>2018/6/25</a:t>
             </a:fld>
             <a:endParaRPr kumimoji="1" lang="ja-JP" altLang="en-US"/>
           </a:p>
@@ -2045,7 +2045,7 @@
           <a:p>
             <a:fld id="{1CDE82D3-BF5D-4CFE-A99D-ECC12DB01D9A}" type="datetimeFigureOut">
               <a:rPr kumimoji="1" lang="ja-JP" altLang="en-US" smtClean="0"/>
-              <a:t>2018/6/22</a:t>
+              <a:t>2018/6/25</a:t>
             </a:fld>
             <a:endParaRPr kumimoji="1" lang="ja-JP" altLang="en-US"/>
           </a:p>
@@ -2354,7 +2354,7 @@
           <a:p>
             <a:fld id="{1CDE82D3-BF5D-4CFE-A99D-ECC12DB01D9A}" type="datetimeFigureOut">
               <a:rPr kumimoji="1" lang="ja-JP" altLang="en-US" smtClean="0"/>
-              <a:t>2018/6/22</a:t>
+              <a:t>2018/6/25</a:t>
             </a:fld>
             <a:endParaRPr kumimoji="1" lang="ja-JP" altLang="en-US"/>
           </a:p>
@@ -2611,7 +2611,7 @@
           <a:p>
             <a:fld id="{1CDE82D3-BF5D-4CFE-A99D-ECC12DB01D9A}" type="datetimeFigureOut">
               <a:rPr kumimoji="1" lang="ja-JP" altLang="en-US" smtClean="0"/>
-              <a:t>2018/6/22</a:t>
+              <a:t>2018/6/25</a:t>
             </a:fld>
             <a:endParaRPr kumimoji="1" lang="ja-JP" altLang="en-US"/>
           </a:p>
@@ -2856,7 +2856,7 @@
           <a:p>
             <a:fld id="{1CDE82D3-BF5D-4CFE-A99D-ECC12DB01D9A}" type="datetimeFigureOut">
               <a:rPr kumimoji="1" lang="ja-JP" altLang="en-US" smtClean="0"/>
-              <a:t>2018/6/22</a:t>
+              <a:t>2018/6/25</a:t>
             </a:fld>
             <a:endParaRPr kumimoji="1" lang="ja-JP" altLang="en-US"/>
           </a:p>
@@ -5285,8 +5285,8 @@
         </p:nvSpPr>
         <p:spPr>
           <a:xfrm>
-            <a:off x="8240959" y="4319252"/>
-            <a:ext cx="877163" cy="369332"/>
+            <a:off x="7991602" y="3875020"/>
+            <a:ext cx="1204737" cy="646331"/>
           </a:xfrm>
           <a:prstGeom prst="rect">
             <a:avLst/>
@@ -5294,14 +5294,21 @@
           <a:noFill/>
         </p:spPr>
         <p:txBody>
-          <a:bodyPr wrap="none" rtlCol="0">
+          <a:bodyPr wrap="square" rtlCol="0">
             <a:spAutoFit/>
           </a:bodyPr>
           <a:lstStyle/>
           <a:p>
             <a:r>
               <a:rPr kumimoji="1" lang="ja-JP" altLang="en-US" dirty="0"/>
-              <a:t>土間床</a:t>
+              <a:t>基礎の</a:t>
+            </a:r>
+            <a:endParaRPr kumimoji="1" lang="en-US" altLang="ja-JP" dirty="0"/>
+          </a:p>
+          <a:p>
+            <a:r>
+              <a:rPr kumimoji="1" lang="ja-JP" altLang="en-US" dirty="0"/>
+              <a:t>底盤部分</a:t>
             </a:r>
           </a:p>
         </p:txBody>
@@ -5390,8 +5397,8 @@
         </p:nvSpPr>
         <p:spPr>
           <a:xfrm>
-            <a:off x="4119121" y="2386008"/>
-            <a:ext cx="1149102" cy="369332"/>
+            <a:off x="4119120" y="2386008"/>
+            <a:ext cx="2615101" cy="646331"/>
           </a:xfrm>
           <a:prstGeom prst="rect">
             <a:avLst/>
@@ -5406,7 +5413,14 @@
           <a:p>
             <a:r>
               <a:rPr kumimoji="1" lang="ja-JP" altLang="en-US" dirty="0"/>
-              <a:t>基礎外壁</a:t>
+              <a:t>基礎の立ち</a:t>
+            </a:r>
+            <a:endParaRPr kumimoji="1" lang="en-US" altLang="ja-JP" dirty="0"/>
+          </a:p>
+          <a:p>
+            <a:r>
+              <a:rPr kumimoji="1" lang="ja-JP" altLang="en-US" dirty="0"/>
+              <a:t>　　上がり部分</a:t>
             </a:r>
           </a:p>
         </p:txBody>
@@ -6398,6 +6412,41 @@
           </p:sp>
         </mc:Fallback>
       </mc:AlternateContent>
+      <p:sp>
+        <p:nvSpPr>
+          <p:cNvPr id="42" name="テキスト ボックス 41">
+            <a:extLst>
+              <a:ext uri="{FF2B5EF4-FFF2-40B4-BE49-F238E27FC236}">
+                <a16:creationId xmlns:a16="http://schemas.microsoft.com/office/drawing/2014/main" id="{2C5A130A-DA55-47ED-A7EB-C5C4F5D43BA8}"/>
+              </a:ext>
+            </a:extLst>
+          </p:cNvPr>
+          <p:cNvSpPr txBox="1"/>
+          <p:nvPr/>
+        </p:nvSpPr>
+        <p:spPr>
+          <a:xfrm>
+            <a:off x="2118757" y="1518428"/>
+            <a:ext cx="646331" cy="369332"/>
+          </a:xfrm>
+          <a:prstGeom prst="rect">
+            <a:avLst/>
+          </a:prstGeom>
+          <a:noFill/>
+        </p:spPr>
+        <p:txBody>
+          <a:bodyPr wrap="none" rtlCol="0">
+            <a:spAutoFit/>
+          </a:bodyPr>
+          <a:lstStyle/>
+          <a:p>
+            <a:r>
+              <a:rPr kumimoji="1" lang="ja-JP" altLang="en-US" dirty="0"/>
+              <a:t>外気</a:t>
+            </a:r>
+          </a:p>
+        </p:txBody>
+      </p:sp>
     </p:spTree>
     <p:extLst>
       <p:ext uri="{BB962C8B-B14F-4D97-AF65-F5344CB8AC3E}">
@@ -8300,41 +8349,6 @@
       </p:cxnSp>
       <p:sp>
         <p:nvSpPr>
-          <p:cNvPr id="36" name="テキスト ボックス 35">
-            <a:extLst>
-              <a:ext uri="{FF2B5EF4-FFF2-40B4-BE49-F238E27FC236}">
-                <a16:creationId xmlns:a16="http://schemas.microsoft.com/office/drawing/2014/main" id="{91E59C58-8BDC-4181-8071-7440BB425ADE}"/>
-              </a:ext>
-            </a:extLst>
-          </p:cNvPr>
-          <p:cNvSpPr txBox="1"/>
-          <p:nvPr/>
-        </p:nvSpPr>
-        <p:spPr>
-          <a:xfrm>
-            <a:off x="8240959" y="4319252"/>
-            <a:ext cx="877163" cy="369332"/>
-          </a:xfrm>
-          <a:prstGeom prst="rect">
-            <a:avLst/>
-          </a:prstGeom>
-          <a:noFill/>
-        </p:spPr>
-        <p:txBody>
-          <a:bodyPr wrap="none" rtlCol="0">
-            <a:spAutoFit/>
-          </a:bodyPr>
-          <a:lstStyle/>
-          <a:p>
-            <a:r>
-              <a:rPr kumimoji="1" lang="ja-JP" altLang="en-US" dirty="0"/>
-              <a:t>土間床</a:t>
-            </a:r>
-          </a:p>
-        </p:txBody>
-      </p:sp>
-      <p:sp>
-        <p:nvSpPr>
           <p:cNvPr id="37" name="テキスト ボックス 36">
             <a:extLst>
               <a:ext uri="{FF2B5EF4-FFF2-40B4-BE49-F238E27FC236}">
@@ -8399,41 +8413,6 @@
             <a:r>
               <a:rPr kumimoji="1" lang="ja-JP" altLang="en-US" dirty="0"/>
               <a:t>床下</a:t>
-            </a:r>
-          </a:p>
-        </p:txBody>
-      </p:sp>
-      <p:sp>
-        <p:nvSpPr>
-          <p:cNvPr id="39" name="テキスト ボックス 38">
-            <a:extLst>
-              <a:ext uri="{FF2B5EF4-FFF2-40B4-BE49-F238E27FC236}">
-                <a16:creationId xmlns:a16="http://schemas.microsoft.com/office/drawing/2014/main" id="{A8D927D0-CF41-4FBC-92AE-A44E584B007E}"/>
-              </a:ext>
-            </a:extLst>
-          </p:cNvPr>
-          <p:cNvSpPr txBox="1"/>
-          <p:nvPr/>
-        </p:nvSpPr>
-        <p:spPr>
-          <a:xfrm>
-            <a:off x="4119121" y="2386008"/>
-            <a:ext cx="1149102" cy="369332"/>
-          </a:xfrm>
-          <a:prstGeom prst="rect">
-            <a:avLst/>
-          </a:prstGeom>
-          <a:noFill/>
-        </p:spPr>
-        <p:txBody>
-          <a:bodyPr wrap="square" rtlCol="0">
-            <a:spAutoFit/>
-          </a:bodyPr>
-          <a:lstStyle/>
-          <a:p>
-            <a:r>
-              <a:rPr kumimoji="1" lang="ja-JP" altLang="en-US" dirty="0"/>
-              <a:t>基礎外壁</a:t>
             </a:r>
           </a:p>
         </p:txBody>
@@ -8759,8 +8738,8 @@
           </a:p>
         </p:txBody>
       </p:sp>
-      <mc:AlternateContent xmlns:mc="http://schemas.openxmlformats.org/markup-compatibility/2006">
-        <mc:Choice xmlns:a14="http://schemas.microsoft.com/office/drawing/2010/main" Requires="a14">
+      <mc:AlternateContent xmlns:mc="http://schemas.openxmlformats.org/markup-compatibility/2006" xmlns:a14="http://schemas.microsoft.com/office/drawing/2010/main">
+        <mc:Choice Requires="a14">
           <p:sp>
             <p:nvSpPr>
               <p:cNvPr id="57" name="テキスト ボックス 56">
@@ -9136,7 +9115,7 @@
             </p:txBody>
           </p:sp>
         </mc:Choice>
-        <mc:Fallback>
+        <mc:Fallback xmlns="">
           <p:sp>
             <p:nvSpPr>
               <p:cNvPr id="57" name="テキスト ボックス 56">
@@ -9284,52 +9263,6 @@
           <a:xfrm>
             <a:off x="7966558" y="5331681"/>
             <a:ext cx="268137" cy="452658"/>
-          </a:xfrm>
-          <a:prstGeom prst="line">
-            <a:avLst/>
-          </a:prstGeom>
-          <a:ln w="19050">
-            <a:solidFill>
-              <a:schemeClr val="tx1">
-                <a:lumMod val="50000"/>
-                <a:lumOff val="50000"/>
-              </a:schemeClr>
-            </a:solidFill>
-          </a:ln>
-        </p:spPr>
-        <p:style>
-          <a:lnRef idx="1">
-            <a:schemeClr val="accent1"/>
-          </a:lnRef>
-          <a:fillRef idx="0">
-            <a:schemeClr val="accent1"/>
-          </a:fillRef>
-          <a:effectRef idx="0">
-            <a:schemeClr val="accent1"/>
-          </a:effectRef>
-          <a:fontRef idx="minor">
-            <a:schemeClr val="tx1"/>
-          </a:fontRef>
-        </p:style>
-      </p:cxnSp>
-      <p:cxnSp>
-        <p:nvCxnSpPr>
-          <p:cNvPr id="46" name="直線コネクタ 45">
-            <a:extLst>
-              <a:ext uri="{FF2B5EF4-FFF2-40B4-BE49-F238E27FC236}">
-                <a16:creationId xmlns:a16="http://schemas.microsoft.com/office/drawing/2014/main" id="{48B59E1B-5AC0-4EDF-8819-C36EEBDBC567}"/>
-              </a:ext>
-            </a:extLst>
-          </p:cNvPr>
-          <p:cNvCxnSpPr>
-            <a:cxnSpLocks/>
-          </p:cNvCxnSpPr>
-          <p:nvPr/>
-        </p:nvCxnSpPr>
-        <p:spPr>
-          <a:xfrm flipV="1">
-            <a:off x="8051006" y="4503918"/>
-            <a:ext cx="163906" cy="184666"/>
           </a:xfrm>
           <a:prstGeom prst="line">
             <a:avLst/>
@@ -9799,6 +9732,171 @@
           </p:sp>
         </mc:Fallback>
       </mc:AlternateContent>
+      <p:sp>
+        <p:nvSpPr>
+          <p:cNvPr id="44" name="テキスト ボックス 43">
+            <a:extLst>
+              <a:ext uri="{FF2B5EF4-FFF2-40B4-BE49-F238E27FC236}">
+                <a16:creationId xmlns:a16="http://schemas.microsoft.com/office/drawing/2014/main" id="{05BE85EF-59CA-42C7-A20F-F42D64166820}"/>
+              </a:ext>
+            </a:extLst>
+          </p:cNvPr>
+          <p:cNvSpPr txBox="1"/>
+          <p:nvPr/>
+        </p:nvSpPr>
+        <p:spPr>
+          <a:xfrm>
+            <a:off x="8020328" y="4048753"/>
+            <a:ext cx="1204737" cy="646331"/>
+          </a:xfrm>
+          <a:prstGeom prst="rect">
+            <a:avLst/>
+          </a:prstGeom>
+          <a:noFill/>
+        </p:spPr>
+        <p:txBody>
+          <a:bodyPr wrap="square" rtlCol="0">
+            <a:spAutoFit/>
+          </a:bodyPr>
+          <a:lstStyle/>
+          <a:p>
+            <a:r>
+              <a:rPr kumimoji="1" lang="ja-JP" altLang="en-US" dirty="0"/>
+              <a:t>基礎の</a:t>
+            </a:r>
+            <a:endParaRPr kumimoji="1" lang="en-US" altLang="ja-JP" dirty="0"/>
+          </a:p>
+          <a:p>
+            <a:r>
+              <a:rPr kumimoji="1" lang="ja-JP" altLang="en-US" dirty="0"/>
+              <a:t>底盤部分</a:t>
+            </a:r>
+          </a:p>
+        </p:txBody>
+      </p:sp>
+      <p:sp>
+        <p:nvSpPr>
+          <p:cNvPr id="45" name="テキスト ボックス 44">
+            <a:extLst>
+              <a:ext uri="{FF2B5EF4-FFF2-40B4-BE49-F238E27FC236}">
+                <a16:creationId xmlns:a16="http://schemas.microsoft.com/office/drawing/2014/main" id="{87C54D1D-88AE-4127-8118-6FD4ABC221ED}"/>
+              </a:ext>
+            </a:extLst>
+          </p:cNvPr>
+          <p:cNvSpPr txBox="1"/>
+          <p:nvPr/>
+        </p:nvSpPr>
+        <p:spPr>
+          <a:xfrm>
+            <a:off x="4119120" y="2386008"/>
+            <a:ext cx="2615101" cy="646331"/>
+          </a:xfrm>
+          <a:prstGeom prst="rect">
+            <a:avLst/>
+          </a:prstGeom>
+          <a:noFill/>
+        </p:spPr>
+        <p:txBody>
+          <a:bodyPr wrap="square" rtlCol="0">
+            <a:spAutoFit/>
+          </a:bodyPr>
+          <a:lstStyle/>
+          <a:p>
+            <a:r>
+              <a:rPr kumimoji="1" lang="ja-JP" altLang="en-US" dirty="0"/>
+              <a:t>基礎の立ち</a:t>
+            </a:r>
+            <a:endParaRPr kumimoji="1" lang="en-US" altLang="ja-JP" dirty="0"/>
+          </a:p>
+          <a:p>
+            <a:r>
+              <a:rPr kumimoji="1" lang="ja-JP" altLang="en-US" dirty="0"/>
+              <a:t>　　上がり部分</a:t>
+            </a:r>
+          </a:p>
+        </p:txBody>
+      </p:sp>
+      <p:sp>
+        <p:nvSpPr>
+          <p:cNvPr id="47" name="テキスト ボックス 46">
+            <a:extLst>
+              <a:ext uri="{FF2B5EF4-FFF2-40B4-BE49-F238E27FC236}">
+                <a16:creationId xmlns:a16="http://schemas.microsoft.com/office/drawing/2014/main" id="{7280F520-2472-4CD9-8765-D862100D933B}"/>
+              </a:ext>
+            </a:extLst>
+          </p:cNvPr>
+          <p:cNvSpPr txBox="1"/>
+          <p:nvPr/>
+        </p:nvSpPr>
+        <p:spPr>
+          <a:xfrm>
+            <a:off x="2118757" y="1518428"/>
+            <a:ext cx="646331" cy="369332"/>
+          </a:xfrm>
+          <a:prstGeom prst="rect">
+            <a:avLst/>
+          </a:prstGeom>
+          <a:noFill/>
+        </p:spPr>
+        <p:txBody>
+          <a:bodyPr wrap="none" rtlCol="0">
+            <a:spAutoFit/>
+          </a:bodyPr>
+          <a:lstStyle/>
+          <a:p>
+            <a:r>
+              <a:rPr kumimoji="1" lang="ja-JP" altLang="en-US" dirty="0"/>
+              <a:t>外気</a:t>
+            </a:r>
+          </a:p>
+        </p:txBody>
+      </p:sp>
+      <p:cxnSp>
+        <p:nvCxnSpPr>
+          <p:cNvPr id="51" name="直線コネクタ 50">
+            <a:extLst>
+              <a:ext uri="{FF2B5EF4-FFF2-40B4-BE49-F238E27FC236}">
+                <a16:creationId xmlns:a16="http://schemas.microsoft.com/office/drawing/2014/main" id="{EDB47701-4702-44BF-9106-6AEC09585A7E}"/>
+              </a:ext>
+            </a:extLst>
+          </p:cNvPr>
+          <p:cNvCxnSpPr>
+            <a:cxnSpLocks/>
+          </p:cNvCxnSpPr>
+          <p:nvPr/>
+        </p:nvCxnSpPr>
+        <p:spPr>
+          <a:xfrm flipV="1">
+            <a:off x="7858020" y="4490595"/>
+            <a:ext cx="163906" cy="184666"/>
+          </a:xfrm>
+          <a:prstGeom prst="line">
+            <a:avLst/>
+          </a:prstGeom>
+          <a:ln w="19050">
+            <a:solidFill>
+              <a:schemeClr val="tx1">
+                <a:lumMod val="50000"/>
+                <a:lumOff val="50000"/>
+              </a:schemeClr>
+            </a:solidFill>
+          </a:ln>
+        </p:spPr>
+        <p:style>
+          <a:lnRef idx="1">
+            <a:schemeClr val="accent1"/>
+          </a:lnRef>
+          <a:fillRef idx="0">
+            <a:schemeClr val="accent1"/>
+          </a:fillRef>
+          <a:effectRef idx="0">
+            <a:schemeClr val="accent1"/>
+          </a:effectRef>
+          <a:fontRef idx="minor">
+            <a:schemeClr val="tx1"/>
+          </a:fontRef>
+        </p:style>
+      </p:cxnSp>
     </p:spTree>
     <p:extLst>
       <p:ext uri="{BB962C8B-B14F-4D97-AF65-F5344CB8AC3E}">
@@ -9831,10 +9929,10 @@
       </p:grpSpPr>
       <p:pic>
         <p:nvPicPr>
-          <p:cNvPr id="5" name="図 4">
+          <p:cNvPr id="2" name="図 1">
             <a:extLst>
               <a:ext uri="{FF2B5EF4-FFF2-40B4-BE49-F238E27FC236}">
-                <a16:creationId xmlns:a16="http://schemas.microsoft.com/office/drawing/2014/main" id="{31BDABA6-1CBF-4A80-9A1F-AB49217EB4A4}"/>
+                <a16:creationId xmlns:a16="http://schemas.microsoft.com/office/drawing/2014/main" id="{620438A0-7230-4667-B239-3C73AA84B470}"/>
               </a:ext>
             </a:extLst>
           </p:cNvPr>
@@ -9851,8 +9949,8 @@
         </p:blipFill>
         <p:spPr>
           <a:xfrm>
-            <a:off x="1649924" y="1272376"/>
-            <a:ext cx="2922076" cy="2156625"/>
+            <a:off x="1643849" y="1272376"/>
+            <a:ext cx="2928151" cy="2156625"/>
           </a:xfrm>
           <a:prstGeom prst="rect">
             <a:avLst/>
